--- a/LectureNotes/ch4_Linear_Regression(LR).pptx
+++ b/LectureNotes/ch4_Linear_Regression(LR).pptx
@@ -5,7 +5,7 @@
     <p:sldMasterId id="2147483701" r:id="rId1"/>
   </p:sldMasterIdLst>
   <p:notesMasterIdLst>
-    <p:notesMasterId r:id="rId21"/>
+    <p:notesMasterId r:id="rId24"/>
   </p:notesMasterIdLst>
   <p:sldIdLst>
     <p:sldId id="256" r:id="rId2"/>
@@ -17,26 +17,36 @@
     <p:sldId id="385" r:id="rId8"/>
     <p:sldId id="386" r:id="rId9"/>
     <p:sldId id="392" r:id="rId10"/>
-    <p:sldId id="393" r:id="rId11"/>
-    <p:sldId id="357" r:id="rId12"/>
-    <p:sldId id="388" r:id="rId13"/>
+    <p:sldId id="401" r:id="rId11"/>
+    <p:sldId id="402" r:id="rId12"/>
+    <p:sldId id="357" r:id="rId13"/>
     <p:sldId id="387" r:id="rId14"/>
     <p:sldId id="394" r:id="rId15"/>
     <p:sldId id="395" r:id="rId16"/>
     <p:sldId id="389" r:id="rId17"/>
-    <p:sldId id="390" r:id="rId18"/>
-    <p:sldId id="391" r:id="rId19"/>
-    <p:sldId id="315" r:id="rId20"/>
+    <p:sldId id="398" r:id="rId18"/>
+    <p:sldId id="397" r:id="rId19"/>
+    <p:sldId id="400" r:id="rId20"/>
+    <p:sldId id="390" r:id="rId21"/>
+    <p:sldId id="391" r:id="rId22"/>
+    <p:sldId id="315" r:id="rId23"/>
   </p:sldIdLst>
   <p:sldSz cx="9144000" cy="5143500" type="screen16x9"/>
   <p:notesSz cx="6858000" cy="9144000"/>
   <p:embeddedFontLst>
     <p:embeddedFont>
       <p:font typeface="Montserrat" panose="00000500000000000000" pitchFamily="2" charset="0"/>
-      <p:regular r:id="rId22"/>
-      <p:bold r:id="rId23"/>
-      <p:italic r:id="rId24"/>
-      <p:boldItalic r:id="rId25"/>
+      <p:regular r:id="rId25"/>
+      <p:bold r:id="rId26"/>
+      <p:italic r:id="rId27"/>
+      <p:boldItalic r:id="rId28"/>
+    </p:embeddedFont>
+    <p:embeddedFont>
+      <p:font typeface="Montserrat" panose="00000500000000000000" pitchFamily="2" charset="0"/>
+      <p:regular r:id="rId25"/>
+      <p:bold r:id="rId26"/>
+      <p:italic r:id="rId27"/>
+      <p:boldItalic r:id="rId28"/>
     </p:embeddedFont>
   </p:embeddedFontLst>
   <p:defaultTextStyle>
@@ -943,7 +953,7 @@
     </p:spTree>
     <p:extLst>
       <p:ext uri="{BB962C8B-B14F-4D97-AF65-F5344CB8AC3E}">
-        <p14:creationId xmlns:p14="http://schemas.microsoft.com/office/powerpoint/2010/main" val="2608761570"/>
+        <p14:creationId xmlns:p14="http://schemas.microsoft.com/office/powerpoint/2010/main" val="3741553988"/>
       </p:ext>
     </p:extLst>
   </p:cSld>
@@ -1009,6 +1019,204 @@
     </p:spTree>
     <p:extLst>
       <p:ext uri="{BB962C8B-B14F-4D97-AF65-F5344CB8AC3E}">
+        <p14:creationId xmlns:p14="http://schemas.microsoft.com/office/powerpoint/2010/main" val="4211259923"/>
+      </p:ext>
+    </p:extLst>
+  </p:cSld>
+  <p:clrMapOvr>
+    <a:masterClrMapping/>
+  </p:clrMapOvr>
+</p:notes>
+</file>
+
+<file path=ppt/notesSlides/notesSlide13.xml><?xml version="1.0" encoding="utf-8"?>
+<p:notes xmlns:a="http://schemas.openxmlformats.org/drawingml/2006/main" xmlns:r="http://schemas.openxmlformats.org/officeDocument/2006/relationships" xmlns:p="http://schemas.openxmlformats.org/presentationml/2006/main">
+  <p:cSld>
+    <p:spTree>
+      <p:nvGrpSpPr>
+        <p:cNvPr id="1" name=""/>
+        <p:cNvGrpSpPr/>
+        <p:nvPr/>
+      </p:nvGrpSpPr>
+      <p:grpSpPr>
+        <a:xfrm>
+          <a:off x="0" y="0"/>
+          <a:ext cx="0" cy="0"/>
+          <a:chOff x="0" y="0"/>
+          <a:chExt cx="0" cy="0"/>
+        </a:xfrm>
+      </p:grpSpPr>
+      <p:sp>
+        <p:nvSpPr>
+          <p:cNvPr id="2" name="슬라이드 이미지 개체 틀 1"/>
+          <p:cNvSpPr>
+            <a:spLocks noGrp="1" noRot="1" noChangeAspect="1"/>
+          </p:cNvSpPr>
+          <p:nvPr>
+            <p:ph type="sldImg"/>
+          </p:nvPr>
+        </p:nvSpPr>
+        <p:spPr>
+          <a:xfrm>
+            <a:off x="381000" y="685800"/>
+            <a:ext cx="6096000" cy="3429000"/>
+          </a:xfrm>
+        </p:spPr>
+      </p:sp>
+      <p:sp>
+        <p:nvSpPr>
+          <p:cNvPr id="3" name="슬라이드 노트 개체 틀 2"/>
+          <p:cNvSpPr>
+            <a:spLocks noGrp="1"/>
+          </p:cNvSpPr>
+          <p:nvPr>
+            <p:ph type="body" idx="1"/>
+          </p:nvPr>
+        </p:nvSpPr>
+        <p:spPr/>
+        <p:txBody>
+          <a:bodyPr/>
+          <a:lstStyle/>
+          <a:p>
+            <a:endParaRPr lang="ko-KR" altLang="en-US" dirty="0"/>
+          </a:p>
+        </p:txBody>
+      </p:sp>
+    </p:spTree>
+    <p:extLst>
+      <p:ext uri="{BB962C8B-B14F-4D97-AF65-F5344CB8AC3E}">
+        <p14:creationId xmlns:p14="http://schemas.microsoft.com/office/powerpoint/2010/main" val="1154483522"/>
+      </p:ext>
+    </p:extLst>
+  </p:cSld>
+  <p:clrMapOvr>
+    <a:masterClrMapping/>
+  </p:clrMapOvr>
+</p:notes>
+</file>
+
+<file path=ppt/notesSlides/notesSlide14.xml><?xml version="1.0" encoding="utf-8"?>
+<p:notes xmlns:a="http://schemas.openxmlformats.org/drawingml/2006/main" xmlns:r="http://schemas.openxmlformats.org/officeDocument/2006/relationships" xmlns:p="http://schemas.openxmlformats.org/presentationml/2006/main">
+  <p:cSld>
+    <p:spTree>
+      <p:nvGrpSpPr>
+        <p:cNvPr id="1" name=""/>
+        <p:cNvGrpSpPr/>
+        <p:nvPr/>
+      </p:nvGrpSpPr>
+      <p:grpSpPr>
+        <a:xfrm>
+          <a:off x="0" y="0"/>
+          <a:ext cx="0" cy="0"/>
+          <a:chOff x="0" y="0"/>
+          <a:chExt cx="0" cy="0"/>
+        </a:xfrm>
+      </p:grpSpPr>
+      <p:sp>
+        <p:nvSpPr>
+          <p:cNvPr id="2" name="슬라이드 이미지 개체 틀 1"/>
+          <p:cNvSpPr>
+            <a:spLocks noGrp="1" noRot="1" noChangeAspect="1"/>
+          </p:cNvSpPr>
+          <p:nvPr>
+            <p:ph type="sldImg"/>
+          </p:nvPr>
+        </p:nvSpPr>
+        <p:spPr>
+          <a:xfrm>
+            <a:off x="381000" y="685800"/>
+            <a:ext cx="6096000" cy="3429000"/>
+          </a:xfrm>
+        </p:spPr>
+      </p:sp>
+      <p:sp>
+        <p:nvSpPr>
+          <p:cNvPr id="3" name="슬라이드 노트 개체 틀 2"/>
+          <p:cNvSpPr>
+            <a:spLocks noGrp="1"/>
+          </p:cNvSpPr>
+          <p:nvPr>
+            <p:ph type="body" idx="1"/>
+          </p:nvPr>
+        </p:nvSpPr>
+        <p:spPr/>
+        <p:txBody>
+          <a:bodyPr/>
+          <a:lstStyle/>
+          <a:p>
+            <a:endParaRPr lang="ko-KR" altLang="en-US" dirty="0"/>
+          </a:p>
+        </p:txBody>
+      </p:sp>
+    </p:spTree>
+    <p:extLst>
+      <p:ext uri="{BB962C8B-B14F-4D97-AF65-F5344CB8AC3E}">
+        <p14:creationId xmlns:p14="http://schemas.microsoft.com/office/powerpoint/2010/main" val="2608761570"/>
+      </p:ext>
+    </p:extLst>
+  </p:cSld>
+  <p:clrMapOvr>
+    <a:masterClrMapping/>
+  </p:clrMapOvr>
+</p:notes>
+</file>
+
+<file path=ppt/notesSlides/notesSlide15.xml><?xml version="1.0" encoding="utf-8"?>
+<p:notes xmlns:a="http://schemas.openxmlformats.org/drawingml/2006/main" xmlns:r="http://schemas.openxmlformats.org/officeDocument/2006/relationships" xmlns:p="http://schemas.openxmlformats.org/presentationml/2006/main">
+  <p:cSld>
+    <p:spTree>
+      <p:nvGrpSpPr>
+        <p:cNvPr id="1" name=""/>
+        <p:cNvGrpSpPr/>
+        <p:nvPr/>
+      </p:nvGrpSpPr>
+      <p:grpSpPr>
+        <a:xfrm>
+          <a:off x="0" y="0"/>
+          <a:ext cx="0" cy="0"/>
+          <a:chOff x="0" y="0"/>
+          <a:chExt cx="0" cy="0"/>
+        </a:xfrm>
+      </p:grpSpPr>
+      <p:sp>
+        <p:nvSpPr>
+          <p:cNvPr id="2" name="슬라이드 이미지 개체 틀 1"/>
+          <p:cNvSpPr>
+            <a:spLocks noGrp="1" noRot="1" noChangeAspect="1"/>
+          </p:cNvSpPr>
+          <p:nvPr>
+            <p:ph type="sldImg"/>
+          </p:nvPr>
+        </p:nvSpPr>
+        <p:spPr>
+          <a:xfrm>
+            <a:off x="381000" y="685800"/>
+            <a:ext cx="6096000" cy="3429000"/>
+          </a:xfrm>
+        </p:spPr>
+      </p:sp>
+      <p:sp>
+        <p:nvSpPr>
+          <p:cNvPr id="3" name="슬라이드 노트 개체 틀 2"/>
+          <p:cNvSpPr>
+            <a:spLocks noGrp="1"/>
+          </p:cNvSpPr>
+          <p:nvPr>
+            <p:ph type="body" idx="1"/>
+          </p:nvPr>
+        </p:nvSpPr>
+        <p:spPr/>
+        <p:txBody>
+          <a:bodyPr/>
+          <a:lstStyle/>
+          <a:p>
+            <a:endParaRPr lang="ko-KR" altLang="en-US" dirty="0"/>
+          </a:p>
+        </p:txBody>
+      </p:sp>
+    </p:spTree>
+    <p:extLst>
+      <p:ext uri="{BB962C8B-B14F-4D97-AF65-F5344CB8AC3E}">
         <p14:creationId xmlns:p14="http://schemas.microsoft.com/office/powerpoint/2010/main" val="2210334447"/>
       </p:ext>
     </p:extLst>
@@ -1019,7 +1227,7 @@
 </p:notes>
 </file>
 
-<file path=ppt/notesSlides/notesSlide13.xml><?xml version="1.0" encoding="utf-8"?>
+<file path=ppt/notesSlides/notesSlide16.xml><?xml version="1.0" encoding="utf-8"?>
 <p:notes xmlns:a="http://schemas.openxmlformats.org/drawingml/2006/main" xmlns:r="http://schemas.openxmlformats.org/officeDocument/2006/relationships" xmlns:p="http://schemas.openxmlformats.org/presentationml/2006/main" showMasterSp="0" showMasterPhAnim="0">
   <p:cSld>
     <p:spTree>
@@ -1349,7 +1557,7 @@
     </p:spTree>
     <p:extLst>
       <p:ext uri="{BB962C8B-B14F-4D97-AF65-F5344CB8AC3E}">
-        <p14:creationId xmlns:p14="http://schemas.microsoft.com/office/powerpoint/2010/main" val="1408231206"/>
+        <p14:creationId xmlns:p14="http://schemas.microsoft.com/office/powerpoint/2010/main" val="1346715208"/>
       </p:ext>
     </p:extLst>
   </p:cSld>
@@ -1415,7 +1623,7 @@
     </p:spTree>
     <p:extLst>
       <p:ext uri="{BB962C8B-B14F-4D97-AF65-F5344CB8AC3E}">
-        <p14:creationId xmlns:p14="http://schemas.microsoft.com/office/powerpoint/2010/main" val="3212781308"/>
+        <p14:creationId xmlns:p14="http://schemas.microsoft.com/office/powerpoint/2010/main" val="2101456673"/>
       </p:ext>
     </p:extLst>
   </p:cSld>
@@ -1481,7 +1689,7 @@
     </p:spTree>
     <p:extLst>
       <p:ext uri="{BB962C8B-B14F-4D97-AF65-F5344CB8AC3E}">
-        <p14:creationId xmlns:p14="http://schemas.microsoft.com/office/powerpoint/2010/main" val="3231577210"/>
+        <p14:creationId xmlns:p14="http://schemas.microsoft.com/office/powerpoint/2010/main" val="3212781308"/>
       </p:ext>
     </p:extLst>
   </p:cSld>
@@ -5611,7 +5819,7 @@
           <a:p>
             <a:r>
               <a:rPr lang="en-US" altLang="ko-KR" dirty="0"/>
-              <a:t>Together2</a:t>
+              <a:t>Lab-your own dataset</a:t>
             </a:r>
             <a:endParaRPr lang="ko-KR" altLang="en-US" dirty="0"/>
           </a:p>
@@ -5633,14 +5841,19 @@
             <p:ph type="subTitle" idx="1"/>
           </p:nvPr>
         </p:nvSpPr>
-        <p:spPr/>
+        <p:spPr>
+          <a:xfrm>
+            <a:off x="702900" y="2116916"/>
+            <a:ext cx="7738200" cy="505200"/>
+          </a:xfrm>
+        </p:spPr>
         <p:txBody>
           <a:bodyPr/>
           <a:lstStyle/>
           <a:p>
             <a:r>
-              <a:rPr lang="en-US" altLang="ko-KR" b="1" dirty="0"/>
-              <a:t>Titanic Survival Prediction</a:t>
+              <a:rPr lang="en-US" altLang="ko-KR" sz="3200" b="1" dirty="0"/>
+              <a:t>Make your own dataset and a Linear Regression model</a:t>
             </a:r>
           </a:p>
         </p:txBody>
@@ -5648,7 +5861,7 @@
     </p:spTree>
     <p:extLst>
       <p:ext uri="{BB962C8B-B14F-4D97-AF65-F5344CB8AC3E}">
-        <p14:creationId xmlns:p14="http://schemas.microsoft.com/office/powerpoint/2010/main" val="3416786466"/>
+        <p14:creationId xmlns:p14="http://schemas.microsoft.com/office/powerpoint/2010/main" val="2996776661"/>
       </p:ext>
     </p:extLst>
   </p:cSld>
@@ -5698,9 +5911,126 @@
           <a:p>
             <a:r>
               <a:rPr lang="en-US" altLang="ko-KR" dirty="0"/>
-              <a:t>Lab1</a:t>
+              <a:t>Lab</a:t>
             </a:r>
             <a:endParaRPr lang="ko-KR" altLang="en-US" dirty="0"/>
+          </a:p>
+        </p:txBody>
+      </p:sp>
+      <p:sp>
+        <p:nvSpPr>
+          <p:cNvPr id="3" name="부제목 2">
+            <a:extLst>
+              <a:ext uri="{FF2B5EF4-FFF2-40B4-BE49-F238E27FC236}">
+                <a16:creationId xmlns:a16="http://schemas.microsoft.com/office/drawing/2014/main" id="{0A5D5F8B-93FE-25D3-F380-5F5BA2141F30}"/>
+              </a:ext>
+            </a:extLst>
+          </p:cNvPr>
+          <p:cNvSpPr>
+            <a:spLocks noGrp="1"/>
+          </p:cNvSpPr>
+          <p:nvPr>
+            <p:ph type="subTitle" idx="1"/>
+          </p:nvPr>
+        </p:nvSpPr>
+        <p:spPr/>
+        <p:txBody>
+          <a:bodyPr/>
+          <a:lstStyle/>
+          <a:p>
+            <a:r>
+              <a:rPr lang="en-US" altLang="ko-KR" b="1" dirty="0"/>
+              <a:t>1.Make train data and test data using </a:t>
+            </a:r>
+            <a:r>
+              <a:rPr lang="en-US" altLang="ko-KR" b="1" dirty="0" err="1"/>
+              <a:t>numpy.random.rand</a:t>
+            </a:r>
+            <a:r>
+              <a:rPr lang="en-US" altLang="ko-KR" b="1" dirty="0"/>
+              <a:t>()</a:t>
+            </a:r>
+          </a:p>
+          <a:p>
+            <a:r>
+              <a:rPr lang="en-US" altLang="ko-KR" b="1" dirty="0"/>
+              <a:t>2.Draw a scatter</a:t>
+            </a:r>
+          </a:p>
+          <a:p>
+            <a:r>
+              <a:rPr lang="en-US" altLang="ko-KR" b="1" dirty="0"/>
+              <a:t>3.Make a Linear Regression model</a:t>
+            </a:r>
+          </a:p>
+          <a:p>
+            <a:r>
+              <a:rPr lang="en-US" altLang="ko-KR" b="1" dirty="0"/>
+              <a:t>4.Print score of the Linear Regression about the train data</a:t>
+            </a:r>
+          </a:p>
+        </p:txBody>
+      </p:sp>
+    </p:spTree>
+    <p:extLst>
+      <p:ext uri="{BB962C8B-B14F-4D97-AF65-F5344CB8AC3E}">
+        <p14:creationId xmlns:p14="http://schemas.microsoft.com/office/powerpoint/2010/main" val="2987623533"/>
+      </p:ext>
+    </p:extLst>
+  </p:cSld>
+  <p:clrMapOvr>
+    <a:masterClrMapping/>
+  </p:clrMapOvr>
+</p:sld>
+</file>
+
+<file path=ppt/slides/slide12.xml><?xml version="1.0" encoding="utf-8"?>
+<p:sld xmlns:a="http://schemas.openxmlformats.org/drawingml/2006/main" xmlns:r="http://schemas.openxmlformats.org/officeDocument/2006/relationships" xmlns:p="http://schemas.openxmlformats.org/presentationml/2006/main">
+  <p:cSld>
+    <p:spTree>
+      <p:nvGrpSpPr>
+        <p:cNvPr id="1" name=""/>
+        <p:cNvGrpSpPr/>
+        <p:nvPr/>
+      </p:nvGrpSpPr>
+      <p:grpSpPr>
+        <a:xfrm>
+          <a:off x="0" y="0"/>
+          <a:ext cx="0" cy="0"/>
+          <a:chOff x="0" y="0"/>
+          <a:chExt cx="0" cy="0"/>
+        </a:xfrm>
+      </p:grpSpPr>
+      <p:sp>
+        <p:nvSpPr>
+          <p:cNvPr id="2" name="제목 1">
+            <a:extLst>
+              <a:ext uri="{FF2B5EF4-FFF2-40B4-BE49-F238E27FC236}">
+                <a16:creationId xmlns:a16="http://schemas.microsoft.com/office/drawing/2014/main" id="{1F3E2613-D4C9-6A01-497F-B61683DC2F2A}"/>
+              </a:ext>
+            </a:extLst>
+          </p:cNvPr>
+          <p:cNvSpPr>
+            <a:spLocks noGrp="1"/>
+          </p:cNvSpPr>
+          <p:nvPr>
+            <p:ph type="title"/>
+          </p:nvPr>
+        </p:nvSpPr>
+        <p:spPr/>
+        <p:txBody>
+          <a:bodyPr/>
+          <a:lstStyle/>
+          <a:p>
+            <a:r>
+              <a:rPr lang="en-US" altLang="ko-KR" dirty="0"/>
+              <a:t>Lab-</a:t>
+            </a:r>
+            <a:r>
+              <a:rPr lang="en-US" altLang="ko-KR" sz="2200" dirty="0"/>
+              <a:t>Relationship between height and weight</a:t>
+            </a:r>
+            <a:endParaRPr lang="ko-KR" altLang="en-US" sz="2200" dirty="0"/>
           </a:p>
         </p:txBody>
       </p:sp>
@@ -5730,15 +6060,6 @@
           <a:bodyPr/>
           <a:lstStyle/>
           <a:p>
-            <a:r>
-              <a:rPr lang="en-US" altLang="ko-KR" b="1" dirty="0"/>
-              <a:t>Relationship between height and weight.</a:t>
-            </a:r>
-          </a:p>
-          <a:p>
-            <a:endParaRPr lang="en-US" altLang="ko-KR" b="1" dirty="0"/>
-          </a:p>
-          <a:p>
             <a:pPr>
               <a:buAutoNum type="arabicPeriod"/>
             </a:pPr>
@@ -5810,13 +6131,13 @@
           <p:nvPr>
             <p:extLst>
               <p:ext uri="{D42A27DB-BD31-4B8C-83A1-F6EECF244321}">
-                <p14:modId xmlns:p14="http://schemas.microsoft.com/office/powerpoint/2010/main" val="1296634257"/>
+                <p14:modId xmlns:p14="http://schemas.microsoft.com/office/powerpoint/2010/main" val="2594321569"/>
               </p:ext>
             </p:extLst>
           </p:nvPr>
         </p:nvGraphicFramePr>
         <p:xfrm>
-          <a:off x="4406118" y="1157817"/>
+          <a:off x="4406118" y="1289658"/>
           <a:ext cx="3799776" cy="1828800"/>
         </p:xfrm>
         <a:graphic>
@@ -6225,7 +6546,7 @@
         </p:blipFill>
         <p:spPr>
           <a:xfrm>
-            <a:off x="865682" y="2350128"/>
+            <a:off x="865682" y="2008786"/>
             <a:ext cx="3377679" cy="260363"/>
           </a:xfrm>
           <a:prstGeom prst="rect">
@@ -6255,7 +6576,7 @@
         </p:blipFill>
         <p:spPr>
           <a:xfrm>
-            <a:off x="1692775" y="3236311"/>
+            <a:off x="1690609" y="2969025"/>
             <a:ext cx="1893706" cy="1437391"/>
           </a:xfrm>
           <a:prstGeom prst="rect">
@@ -6267,141 +6588,6 @@
     <p:extLst>
       <p:ext uri="{BB962C8B-B14F-4D97-AF65-F5344CB8AC3E}">
         <p14:creationId xmlns:p14="http://schemas.microsoft.com/office/powerpoint/2010/main" val="4271145834"/>
-      </p:ext>
-    </p:extLst>
-  </p:cSld>
-  <p:clrMapOvr>
-    <a:masterClrMapping/>
-  </p:clrMapOvr>
-</p:sld>
-</file>
-
-<file path=ppt/slides/slide12.xml><?xml version="1.0" encoding="utf-8"?>
-<p:sld xmlns:a="http://schemas.openxmlformats.org/drawingml/2006/main" xmlns:r="http://schemas.openxmlformats.org/officeDocument/2006/relationships" xmlns:p="http://schemas.openxmlformats.org/presentationml/2006/main">
-  <p:cSld>
-    <p:spTree>
-      <p:nvGrpSpPr>
-        <p:cNvPr id="1" name=""/>
-        <p:cNvGrpSpPr/>
-        <p:nvPr/>
-      </p:nvGrpSpPr>
-      <p:grpSpPr>
-        <a:xfrm>
-          <a:off x="0" y="0"/>
-          <a:ext cx="0" cy="0"/>
-          <a:chOff x="0" y="0"/>
-          <a:chExt cx="0" cy="0"/>
-        </a:xfrm>
-      </p:grpSpPr>
-      <p:sp>
-        <p:nvSpPr>
-          <p:cNvPr id="2" name="제목 1">
-            <a:extLst>
-              <a:ext uri="{FF2B5EF4-FFF2-40B4-BE49-F238E27FC236}">
-                <a16:creationId xmlns:a16="http://schemas.microsoft.com/office/drawing/2014/main" id="{1F3E2613-D4C9-6A01-497F-B61683DC2F2A}"/>
-              </a:ext>
-            </a:extLst>
-          </p:cNvPr>
-          <p:cNvSpPr>
-            <a:spLocks noGrp="1"/>
-          </p:cNvSpPr>
-          <p:nvPr>
-            <p:ph type="title"/>
-          </p:nvPr>
-        </p:nvSpPr>
-        <p:spPr/>
-        <p:txBody>
-          <a:bodyPr/>
-          <a:lstStyle/>
-          <a:p>
-            <a:r>
-              <a:rPr lang="en-US" altLang="ko-KR" dirty="0"/>
-              <a:t>Lab2</a:t>
-            </a:r>
-            <a:endParaRPr lang="ko-KR" altLang="en-US" dirty="0"/>
-          </a:p>
-        </p:txBody>
-      </p:sp>
-      <p:sp>
-        <p:nvSpPr>
-          <p:cNvPr id="3" name="부제목 2">
-            <a:extLst>
-              <a:ext uri="{FF2B5EF4-FFF2-40B4-BE49-F238E27FC236}">
-                <a16:creationId xmlns:a16="http://schemas.microsoft.com/office/drawing/2014/main" id="{0A5D5F8B-93FE-25D3-F380-5F5BA2141F30}"/>
-              </a:ext>
-            </a:extLst>
-          </p:cNvPr>
-          <p:cNvSpPr>
-            <a:spLocks noGrp="1"/>
-          </p:cNvSpPr>
-          <p:nvPr>
-            <p:ph type="subTitle" idx="1"/>
-          </p:nvPr>
-        </p:nvSpPr>
-        <p:spPr/>
-        <p:txBody>
-          <a:bodyPr/>
-          <a:lstStyle/>
-          <a:p>
-            <a:r>
-              <a:rPr lang="en-US" altLang="ko-KR" b="1" dirty="0"/>
-              <a:t>Relationship between</a:t>
-            </a:r>
-            <a:r>
-              <a:rPr lang="ko-KR" altLang="en-US" b="1" dirty="0"/>
-              <a:t> </a:t>
-            </a:r>
-            <a:r>
-              <a:rPr lang="en-US" altLang="ko-KR" b="1" dirty="0"/>
-              <a:t>sleep</a:t>
-            </a:r>
-            <a:r>
-              <a:rPr lang="ko-KR" altLang="en-US" b="1" dirty="0"/>
-              <a:t> </a:t>
-            </a:r>
-            <a:r>
-              <a:rPr lang="en-US" altLang="ko-KR" b="1" dirty="0"/>
-              <a:t>hours,</a:t>
-            </a:r>
-            <a:r>
-              <a:rPr lang="ko-KR" altLang="en-US" b="1" dirty="0"/>
-              <a:t> </a:t>
-            </a:r>
-            <a:r>
-              <a:rPr lang="en-US" altLang="ko-KR" b="1" dirty="0"/>
-              <a:t>study</a:t>
-            </a:r>
-            <a:r>
-              <a:rPr lang="ko-KR" altLang="en-US" b="1" dirty="0"/>
-              <a:t> </a:t>
-            </a:r>
-            <a:r>
-              <a:rPr lang="en-US" altLang="ko-KR" b="1" dirty="0"/>
-              <a:t>hours,</a:t>
-            </a:r>
-            <a:r>
-              <a:rPr lang="ko-KR" altLang="en-US" b="1" dirty="0"/>
-              <a:t> </a:t>
-            </a:r>
-            <a:r>
-              <a:rPr lang="en-US" altLang="ko-KR" b="1" dirty="0"/>
-              <a:t>and score. -&gt; </a:t>
-            </a:r>
-            <a:r>
-              <a:rPr lang="ko-KR" altLang="en-US" b="1" dirty="0"/>
-              <a:t>내가 데이터셋과 정답 코드를 만들어야 함</a:t>
-            </a:r>
-            <a:r>
-              <a:rPr lang="en-US" altLang="ko-KR" b="1" dirty="0"/>
-              <a:t>.</a:t>
-            </a:r>
-          </a:p>
-        </p:txBody>
-      </p:sp>
-    </p:spTree>
-    <p:extLst>
-      <p:ext uri="{BB962C8B-B14F-4D97-AF65-F5344CB8AC3E}">
-        <p14:creationId xmlns:p14="http://schemas.microsoft.com/office/powerpoint/2010/main" val="802484710"/>
       </p:ext>
     </p:extLst>
   </p:cSld>
@@ -6451,7 +6637,7 @@
           <a:p>
             <a:r>
               <a:rPr lang="en-US" altLang="ko-KR" dirty="0"/>
-              <a:t>Lab3</a:t>
+              <a:t>Lab-Diabetes prediction using LR</a:t>
             </a:r>
             <a:endParaRPr lang="ko-KR" altLang="en-US" dirty="0"/>
           </a:p>
@@ -6480,8 +6666,28 @@
           <a:p>
             <a:r>
               <a:rPr lang="en-US" altLang="ko-KR" b="1" dirty="0"/>
-              <a:t>Diabetes prediction using Linear Regression(LR) </a:t>
-            </a:r>
+              <a:t>0.load diabetes dataset from </a:t>
+            </a:r>
+            <a:r>
+              <a:rPr lang="en-US" altLang="ko-KR" b="1" dirty="0" err="1"/>
+              <a:t>sklearn</a:t>
+            </a:r>
+            <a:r>
+              <a:rPr lang="en-US" altLang="ko-KR" b="1" dirty="0"/>
+              <a:t>.</a:t>
+            </a:r>
+          </a:p>
+          <a:p>
+            <a:endParaRPr lang="en-US" altLang="ko-KR" b="1" dirty="0"/>
+          </a:p>
+          <a:p>
+            <a:endParaRPr lang="en-US" altLang="ko-KR" b="1" dirty="0"/>
+          </a:p>
+          <a:p>
+            <a:endParaRPr lang="en-US" altLang="ko-KR" b="1" dirty="0"/>
+          </a:p>
+          <a:p>
+            <a:endParaRPr lang="en-US" altLang="ko-KR" b="1" dirty="0"/>
           </a:p>
           <a:p>
             <a:endParaRPr lang="en-US" altLang="ko-KR" b="1" dirty="0"/>
@@ -6519,9 +6725,6 @@
               <a:rPr lang="en-US" altLang="ko-KR" b="1" dirty="0"/>
               <a:t>3. Get prediction scores of the Linear Regression of problem (2). Also, get score of the Linear Regression about the test data.</a:t>
             </a:r>
-          </a:p>
-          <a:p>
-            <a:endParaRPr lang="en-US" altLang="ko-KR" b="1" dirty="0"/>
           </a:p>
           <a:p>
             <a:endParaRPr lang="en-US" altLang="ko-KR" b="1" dirty="0"/>
@@ -6579,7 +6782,7 @@
         </p:blipFill>
         <p:spPr>
           <a:xfrm>
-            <a:off x="2536486" y="2356029"/>
+            <a:off x="2724055" y="2998979"/>
             <a:ext cx="3695890" cy="609631"/>
           </a:xfrm>
           <a:prstGeom prst="rect">
@@ -6609,8 +6812,38 @@
         </p:blipFill>
         <p:spPr>
           <a:xfrm>
-            <a:off x="2206269" y="3686279"/>
+            <a:off x="2295363" y="4156003"/>
             <a:ext cx="4356324" cy="800141"/>
+          </a:xfrm>
+          <a:prstGeom prst="rect">
+            <a:avLst/>
+          </a:prstGeom>
+        </p:spPr>
+      </p:pic>
+      <p:pic>
+        <p:nvPicPr>
+          <p:cNvPr id="5" name="그림 4">
+            <a:extLst>
+              <a:ext uri="{FF2B5EF4-FFF2-40B4-BE49-F238E27FC236}">
+                <a16:creationId xmlns:a16="http://schemas.microsoft.com/office/drawing/2014/main" id="{68C3BD85-DA19-A78D-2885-4AF7B6279867}"/>
+              </a:ext>
+            </a:extLst>
+          </p:cNvPr>
+          <p:cNvPicPr>
+            <a:picLocks noChangeAspect="1"/>
+          </p:cNvPicPr>
+          <p:nvPr/>
+        </p:nvPicPr>
+        <p:blipFill>
+          <a:blip r:embed="rId5"/>
+          <a:stretch>
+            <a:fillRect/>
+          </a:stretch>
+        </p:blipFill>
+        <p:spPr>
+          <a:xfrm>
+            <a:off x="2756880" y="1316472"/>
+            <a:ext cx="3109348" cy="910303"/>
           </a:xfrm>
           <a:prstGeom prst="rect">
             <a:avLst/>
@@ -6670,7 +6903,7 @@
           <a:p>
             <a:r>
               <a:rPr lang="en-US" altLang="ko-KR" dirty="0"/>
-              <a:t>Lab3</a:t>
+              <a:t>Lab-Diabetes prediction using LR</a:t>
             </a:r>
             <a:endParaRPr lang="ko-KR" altLang="en-US" dirty="0"/>
           </a:p>
@@ -6823,7 +7056,7 @@
           <a:p>
             <a:r>
               <a:rPr lang="en-US" altLang="ko-KR" dirty="0"/>
-              <a:t>Lab3</a:t>
+              <a:t>Lab-Diabetes prediction using LR</a:t>
             </a:r>
             <a:endParaRPr lang="ko-KR" altLang="en-US" dirty="0"/>
           </a:p>
@@ -7056,14 +7289,14 @@
           <a:p>
             <a:r>
               <a:rPr lang="en-US" altLang="ko-KR" dirty="0"/>
-              <a:t>Lab4-life </a:t>
+              <a:t>Lab-life </a:t>
             </a:r>
             <a:r>
               <a:rPr lang="en-US" altLang="ko-KR" dirty="0" err="1"/>
               <a:t>expentancy</a:t>
             </a:r>
             <a:r>
-              <a:rPr lang="en-US" altLang="ko-KR"/>
+              <a:rPr lang="en-US" altLang="ko-KR" dirty="0"/>
               <a:t> using LR</a:t>
             </a:r>
             <a:endParaRPr lang="ko-KR" altLang="en-US" dirty="0"/>
@@ -7091,33 +7324,261 @@
           <a:bodyPr/>
           <a:lstStyle/>
           <a:p>
-            <a:r>
-              <a:rPr lang="en-US" altLang="ko-KR" b="1" dirty="0"/>
-              <a:t>Life</a:t>
-            </a:r>
-            <a:r>
-              <a:rPr lang="ko-KR" altLang="en-US" b="1" dirty="0"/>
-              <a:t> </a:t>
-            </a:r>
-            <a:r>
-              <a:rPr lang="en-US" altLang="ko-KR" b="1" dirty="0" err="1"/>
-              <a:t>expentancy</a:t>
-            </a:r>
-            <a:r>
-              <a:rPr lang="en-US" altLang="ko-KR" b="1" dirty="0"/>
-              <a:t> using Linear Regression(LR)-</a:t>
-            </a:r>
-            <a:r>
-              <a:rPr lang="ko-KR" altLang="en-US" b="1" dirty="0"/>
-              <a:t>책</a:t>
-            </a:r>
-            <a:endParaRPr lang="en-US" altLang="ko-KR" b="1" dirty="0"/>
-          </a:p>
-          <a:p>
-            <a:endParaRPr lang="en-US" altLang="ko-KR" b="1" dirty="0"/>
-          </a:p>
-          <a:p>
-            <a:endParaRPr lang="en-US" altLang="ko-KR" b="1" dirty="0"/>
+            <a:pPr marL="139700" indent="0" algn="l"/>
+            <a:r>
+              <a:rPr lang="en-US" altLang="ko-KR" b="1" i="0" dirty="0">
+                <a:effectLst/>
+                <a:latin typeface="montserrat" panose="00000500000000000000" pitchFamily="2" charset="0"/>
+              </a:rPr>
+              <a:t>Here are explanations about data:</a:t>
+            </a:r>
+          </a:p>
+          <a:p>
+            <a:pPr algn="l">
+              <a:buFont typeface="Arial" panose="020B0604020202020204" pitchFamily="34" charset="0"/>
+              <a:buChar char="•"/>
+            </a:pPr>
+            <a:r>
+              <a:rPr lang="en-US" altLang="ko-KR" b="1" i="0" dirty="0">
+                <a:effectLst/>
+                <a:latin typeface="montserrat" panose="00000500000000000000" pitchFamily="2" charset="0"/>
+              </a:rPr>
+              <a:t>year: years from 2000 to 2015</a:t>
+            </a:r>
+          </a:p>
+          <a:p>
+            <a:pPr algn="l">
+              <a:buFont typeface="Arial" panose="020B0604020202020204" pitchFamily="34" charset="0"/>
+              <a:buChar char="•"/>
+            </a:pPr>
+            <a:r>
+              <a:rPr lang="en-US" altLang="ko-KR" b="1" i="0" dirty="0">
+                <a:effectLst/>
+                <a:latin typeface="montserrat" panose="00000500000000000000" pitchFamily="2" charset="0"/>
+              </a:rPr>
+              <a:t>Status: info. like Developing and Developed…</a:t>
+            </a:r>
+          </a:p>
+          <a:p>
+            <a:pPr algn="l">
+              <a:buFont typeface="Arial" panose="020B0604020202020204" pitchFamily="34" charset="0"/>
+              <a:buChar char="•"/>
+            </a:pPr>
+            <a:r>
+              <a:rPr lang="en-US" altLang="ko-KR" b="1" i="0" dirty="0">
+                <a:effectLst/>
+                <a:latin typeface="montserrat" panose="00000500000000000000" pitchFamily="2" charset="0"/>
+              </a:rPr>
+              <a:t>Adult mortality: deaths per 1000 adults between 15 years old to 60 years old</a:t>
+            </a:r>
+          </a:p>
+          <a:p>
+            <a:pPr algn="l">
+              <a:buFont typeface="Arial" panose="020B0604020202020204" pitchFamily="34" charset="0"/>
+              <a:buChar char="•"/>
+            </a:pPr>
+            <a:r>
+              <a:rPr lang="en-US" altLang="ko-KR" b="1" i="0" dirty="0">
+                <a:effectLst/>
+                <a:latin typeface="montserrat" panose="00000500000000000000" pitchFamily="2" charset="0"/>
+              </a:rPr>
+              <a:t>Infant deaths: deaths per 1000 infants</a:t>
+            </a:r>
+          </a:p>
+          <a:p>
+            <a:pPr algn="l">
+              <a:buFont typeface="Arial" panose="020B0604020202020204" pitchFamily="34" charset="0"/>
+              <a:buChar char="•"/>
+            </a:pPr>
+            <a:r>
+              <a:rPr lang="en-US" altLang="ko-KR" b="1" i="0" dirty="0">
+                <a:effectLst/>
+                <a:latin typeface="montserrat" panose="00000500000000000000" pitchFamily="2" charset="0"/>
+              </a:rPr>
+              <a:t>Alcohol: Alcohol spend per one person</a:t>
+            </a:r>
+          </a:p>
+          <a:p>
+            <a:pPr algn="l">
+              <a:buFont typeface="Arial" panose="020B0604020202020204" pitchFamily="34" charset="0"/>
+              <a:buChar char="•"/>
+            </a:pPr>
+            <a:r>
+              <a:rPr lang="en-US" altLang="ko-KR" b="1" i="0" dirty="0">
+                <a:effectLst/>
+                <a:latin typeface="montserrat" panose="00000500000000000000" pitchFamily="2" charset="0"/>
+              </a:rPr>
+              <a:t>Percentage expenditure: GDP vs. medical percentage expenditure</a:t>
+            </a:r>
+          </a:p>
+          <a:p>
+            <a:pPr algn="l">
+              <a:buFont typeface="Arial" panose="020B0604020202020204" pitchFamily="34" charset="0"/>
+              <a:buChar char="•"/>
+            </a:pPr>
+            <a:r>
+              <a:rPr lang="en-US" altLang="ko-KR" b="1" i="0" dirty="0">
+                <a:effectLst/>
+                <a:latin typeface="montserrat" panose="00000500000000000000" pitchFamily="2" charset="0"/>
+              </a:rPr>
+              <a:t>Hepatitis B:</a:t>
+            </a:r>
+          </a:p>
+          <a:p>
+            <a:pPr algn="l">
+              <a:buFont typeface="Arial" panose="020B0604020202020204" pitchFamily="34" charset="0"/>
+              <a:buChar char="•"/>
+            </a:pPr>
+            <a:r>
+              <a:rPr lang="en-US" altLang="ko-KR" b="1" i="0" dirty="0">
+                <a:effectLst/>
+                <a:latin typeface="montserrat" panose="00000500000000000000" pitchFamily="2" charset="0"/>
+              </a:rPr>
+              <a:t>BMI:</a:t>
+            </a:r>
+          </a:p>
+          <a:p>
+            <a:pPr algn="l">
+              <a:buFont typeface="Arial" panose="020B0604020202020204" pitchFamily="34" charset="0"/>
+              <a:buChar char="•"/>
+            </a:pPr>
+            <a:r>
+              <a:rPr lang="en-US" altLang="ko-KR" b="1" i="0" dirty="0">
+                <a:effectLst/>
+                <a:latin typeface="montserrat" panose="00000500000000000000" pitchFamily="2" charset="0"/>
+              </a:rPr>
+              <a:t>Under-five deaths</a:t>
+            </a:r>
+          </a:p>
+          <a:p>
+            <a:pPr algn="l">
+              <a:buFont typeface="Arial" panose="020B0604020202020204" pitchFamily="34" charset="0"/>
+              <a:buChar char="•"/>
+            </a:pPr>
+            <a:r>
+              <a:rPr lang="en-US" altLang="ko-KR" b="1" i="0" dirty="0">
+                <a:effectLst/>
+                <a:latin typeface="montserrat" panose="00000500000000000000" pitchFamily="2" charset="0"/>
+              </a:rPr>
+              <a:t>Polio:</a:t>
+            </a:r>
+          </a:p>
+          <a:p>
+            <a:pPr algn="l">
+              <a:buFont typeface="Arial" panose="020B0604020202020204" pitchFamily="34" charset="0"/>
+              <a:buChar char="•"/>
+            </a:pPr>
+            <a:r>
+              <a:rPr lang="en-US" altLang="ko-KR" b="1" i="0" dirty="0">
+                <a:effectLst/>
+                <a:latin typeface="montserrat" panose="00000500000000000000" pitchFamily="2" charset="0"/>
+              </a:rPr>
+              <a:t>Total expenditure:</a:t>
+            </a:r>
+          </a:p>
+          <a:p>
+            <a:pPr algn="l">
+              <a:buFont typeface="Arial" panose="020B0604020202020204" pitchFamily="34" charset="0"/>
+              <a:buChar char="•"/>
+            </a:pPr>
+            <a:r>
+              <a:rPr lang="en-US" altLang="ko-KR" b="1" i="0" dirty="0">
+                <a:effectLst/>
+                <a:latin typeface="montserrat" panose="00000500000000000000" pitchFamily="2" charset="0"/>
+              </a:rPr>
+              <a:t>Diphtheria:</a:t>
+            </a:r>
+          </a:p>
+          <a:p>
+            <a:pPr algn="l">
+              <a:buFont typeface="Arial" panose="020B0604020202020204" pitchFamily="34" charset="0"/>
+              <a:buChar char="•"/>
+            </a:pPr>
+            <a:r>
+              <a:rPr lang="en-US" altLang="ko-KR" b="1" i="0" dirty="0">
+                <a:effectLst/>
+                <a:latin typeface="montserrat" panose="00000500000000000000" pitchFamily="2" charset="0"/>
+              </a:rPr>
+              <a:t>HIV/AIDS:</a:t>
+            </a:r>
+          </a:p>
+          <a:p>
+            <a:pPr algn="l">
+              <a:buFont typeface="Arial" panose="020B0604020202020204" pitchFamily="34" charset="0"/>
+              <a:buChar char="•"/>
+            </a:pPr>
+            <a:r>
+              <a:rPr lang="en-US" altLang="ko-KR" b="1" i="0" dirty="0">
+                <a:effectLst/>
+                <a:latin typeface="montserrat" panose="00000500000000000000" pitchFamily="2" charset="0"/>
+              </a:rPr>
+              <a:t>GDP</a:t>
+            </a:r>
+          </a:p>
+          <a:p>
+            <a:pPr algn="l">
+              <a:buFont typeface="Arial" panose="020B0604020202020204" pitchFamily="34" charset="0"/>
+              <a:buChar char="•"/>
+            </a:pPr>
+            <a:r>
+              <a:rPr lang="en-US" altLang="ko-KR" b="1" i="0" dirty="0">
+                <a:effectLst/>
+                <a:latin typeface="montserrat" panose="00000500000000000000" pitchFamily="2" charset="0"/>
+              </a:rPr>
+              <a:t>Population:</a:t>
+            </a:r>
+          </a:p>
+          <a:p>
+            <a:pPr algn="l">
+              <a:buFont typeface="Arial" panose="020B0604020202020204" pitchFamily="34" charset="0"/>
+              <a:buChar char="•"/>
+            </a:pPr>
+            <a:r>
+              <a:rPr lang="en-US" altLang="ko-KR" b="1" i="0" dirty="0">
+                <a:effectLst/>
+                <a:latin typeface="montserrat" panose="00000500000000000000" pitchFamily="2" charset="0"/>
+              </a:rPr>
+              <a:t>Thinness 1-19 years:</a:t>
+            </a:r>
+          </a:p>
+          <a:p>
+            <a:pPr algn="l">
+              <a:buFont typeface="Arial" panose="020B0604020202020204" pitchFamily="34" charset="0"/>
+              <a:buChar char="•"/>
+            </a:pPr>
+            <a:r>
+              <a:rPr lang="en-US" altLang="ko-KR" b="1" i="0" dirty="0">
+                <a:effectLst/>
+                <a:latin typeface="montserrat" panose="00000500000000000000" pitchFamily="2" charset="0"/>
+              </a:rPr>
+              <a:t>Thinness 5-9 years:</a:t>
+            </a:r>
+          </a:p>
+          <a:p>
+            <a:pPr algn="l">
+              <a:buFont typeface="Arial" panose="020B0604020202020204" pitchFamily="34" charset="0"/>
+              <a:buChar char="•"/>
+            </a:pPr>
+            <a:r>
+              <a:rPr lang="en-US" altLang="ko-KR" b="1" i="0" dirty="0">
+                <a:effectLst/>
+                <a:latin typeface="montserrat" panose="00000500000000000000" pitchFamily="2" charset="0"/>
+              </a:rPr>
+              <a:t>Income composition of resources:</a:t>
+            </a:r>
+          </a:p>
+          <a:p>
+            <a:pPr algn="l">
+              <a:buFont typeface="Arial" panose="020B0604020202020204" pitchFamily="34" charset="0"/>
+              <a:buChar char="•"/>
+            </a:pPr>
+            <a:r>
+              <a:rPr lang="en-US" altLang="ko-KR" b="1" i="0" dirty="0">
+                <a:effectLst/>
+                <a:latin typeface="montserrat" panose="00000500000000000000" pitchFamily="2" charset="0"/>
+              </a:rPr>
+              <a:t>Schooling</a:t>
+            </a:r>
           </a:p>
         </p:txBody>
       </p:sp>
@@ -7174,7 +7635,15 @@
           <a:p>
             <a:r>
               <a:rPr lang="en-US" altLang="ko-KR" dirty="0"/>
-              <a:t>Lab5</a:t>
+              <a:t>Lab-life </a:t>
+            </a:r>
+            <a:r>
+              <a:rPr lang="en-US" altLang="ko-KR" dirty="0" err="1"/>
+              <a:t>expentancy</a:t>
+            </a:r>
+            <a:r>
+              <a:rPr lang="en-US" altLang="ko-KR" dirty="0"/>
+              <a:t> using LR</a:t>
             </a:r>
             <a:endParaRPr lang="ko-KR" altLang="en-US" dirty="0"/>
           </a:p>
@@ -7201,42 +7670,146 @@
           <a:bodyPr/>
           <a:lstStyle/>
           <a:p>
+            <a:pPr marL="139700" indent="0"/>
             <a:r>
               <a:rPr lang="en-US" altLang="ko-KR" b="1" dirty="0"/>
-              <a:t>house</a:t>
-            </a:r>
-            <a:r>
-              <a:rPr lang="ko-KR" altLang="en-US" b="1" dirty="0"/>
-              <a:t> </a:t>
-            </a:r>
-            <a:r>
+              <a:t>1.load csv file (cf. path can be different)</a:t>
+            </a:r>
+            <a:br>
               <a:rPr lang="en-US" altLang="ko-KR" b="1" dirty="0"/>
-              <a:t>prices</a:t>
-            </a:r>
-            <a:r>
-              <a:rPr lang="ko-KR" altLang="en-US" b="1" dirty="0"/>
-              <a:t> </a:t>
-            </a:r>
+            </a:br>
+            <a:endParaRPr lang="en-US" altLang="ko-KR" b="1" dirty="0"/>
+          </a:p>
+          <a:p>
+            <a:pPr>
+              <a:buAutoNum type="arabicPeriod"/>
+            </a:pPr>
+            <a:endParaRPr lang="en-US" altLang="ko-KR" b="1" dirty="0"/>
+          </a:p>
+          <a:p>
+            <a:pPr>
+              <a:buAutoNum type="arabicPeriod"/>
+            </a:pPr>
+            <a:endParaRPr lang="en-US" altLang="ko-KR" b="1" dirty="0"/>
+          </a:p>
+          <a:p>
+            <a:pPr>
+              <a:buAutoNum type="arabicPeriod"/>
+            </a:pPr>
+            <a:endParaRPr lang="en-US" altLang="ko-KR" b="1" dirty="0"/>
+          </a:p>
+          <a:p>
+            <a:pPr>
+              <a:buAutoNum type="arabicPeriod"/>
+            </a:pPr>
+            <a:endParaRPr lang="en-US" altLang="ko-KR" b="1" dirty="0"/>
+          </a:p>
+          <a:p>
+            <a:pPr>
+              <a:buAutoNum type="arabicPeriod"/>
+            </a:pPr>
+            <a:endParaRPr lang="en-US" altLang="ko-KR" b="1" dirty="0"/>
+          </a:p>
+          <a:p>
+            <a:pPr>
+              <a:buAutoNum type="arabicPeriod"/>
+            </a:pPr>
+            <a:endParaRPr lang="en-US" altLang="ko-KR" b="1" dirty="0"/>
+          </a:p>
+          <a:p>
+            <a:pPr marL="139700" indent="0"/>
+            <a:endParaRPr lang="en-US" altLang="ko-KR" b="1" dirty="0"/>
+          </a:p>
+          <a:p>
+            <a:pPr marL="139700" indent="0"/>
             <a:r>
               <a:rPr lang="en-US" altLang="ko-KR" b="1" dirty="0"/>
-              <a:t>prediction-https://www.kaggle.com/code/rbyron/simple-linear-regression-models</a:t>
-            </a:r>
-          </a:p>
-          <a:p>
-            <a:endParaRPr lang="en-US" altLang="ko-KR" b="1" dirty="0"/>
-          </a:p>
-          <a:p>
-            <a:endParaRPr lang="en-US" altLang="ko-KR" b="1" dirty="0"/>
-          </a:p>
-          <a:p>
-            <a:endParaRPr lang="en-US" altLang="ko-KR" b="1" dirty="0"/>
+              <a:t>2.get correlation between life expectancy and each data. And Draw a heatmap like below.</a:t>
+            </a:r>
           </a:p>
         </p:txBody>
       </p:sp>
+      <p:pic>
+        <p:nvPicPr>
+          <p:cNvPr id="4" name="그림 3">
+            <a:extLst>
+              <a:ext uri="{FF2B5EF4-FFF2-40B4-BE49-F238E27FC236}">
+                <a16:creationId xmlns:a16="http://schemas.microsoft.com/office/drawing/2014/main" id="{BD89FD4C-C1C4-6BFF-A5BB-49C9E1F25814}"/>
+              </a:ext>
+            </a:extLst>
+          </p:cNvPr>
+          <p:cNvPicPr>
+            <a:picLocks noChangeAspect="1"/>
+          </p:cNvPicPr>
+          <p:nvPr/>
+        </p:nvPicPr>
+        <p:blipFill>
+          <a:blip r:embed="rId3"/>
+          <a:stretch>
+            <a:fillRect/>
+          </a:stretch>
+        </p:blipFill>
+        <p:spPr>
+          <a:xfrm>
+            <a:off x="2922326" y="1534031"/>
+            <a:ext cx="2711589" cy="952549"/>
+          </a:xfrm>
+          <a:prstGeom prst="rect">
+            <a:avLst/>
+          </a:prstGeom>
+        </p:spPr>
+      </p:pic>
+      <p:pic>
+        <p:nvPicPr>
+          <p:cNvPr id="1026" name="Picture 2">
+            <a:extLst>
+              <a:ext uri="{FF2B5EF4-FFF2-40B4-BE49-F238E27FC236}">
+                <a16:creationId xmlns:a16="http://schemas.microsoft.com/office/drawing/2014/main" id="{BB300049-001B-2E31-8B72-C8383C34B5C2}"/>
+              </a:ext>
+            </a:extLst>
+          </p:cNvPr>
+          <p:cNvPicPr>
+            <a:picLocks noChangeAspect="1" noChangeArrowheads="1"/>
+          </p:cNvPicPr>
+          <p:nvPr/>
+        </p:nvPicPr>
+        <p:blipFill>
+          <a:blip r:embed="rId4">
+            <a:extLst>
+              <a:ext uri="{28A0092B-C50C-407E-A947-70E740481C1C}">
+                <a14:useLocalDpi xmlns:a14="http://schemas.microsoft.com/office/drawing/2010/main" val="0"/>
+              </a:ext>
+            </a:extLst>
+          </a:blip>
+          <a:srcRect/>
+          <a:stretch>
+            <a:fillRect/>
+          </a:stretch>
+        </p:blipFill>
+        <p:spPr bwMode="auto">
+          <a:xfrm>
+            <a:off x="3510084" y="3042160"/>
+            <a:ext cx="2123831" cy="2088380"/>
+          </a:xfrm>
+          <a:prstGeom prst="rect">
+            <a:avLst/>
+          </a:prstGeom>
+          <a:noFill/>
+          <a:extLst>
+            <a:ext uri="{909E8E84-426E-40DD-AFC4-6F175D3DCCD1}">
+              <a14:hiddenFill xmlns:a14="http://schemas.microsoft.com/office/drawing/2010/main">
+                <a:solidFill>
+                  <a:srgbClr val="FFFFFF"/>
+                </a:solidFill>
+              </a14:hiddenFill>
+            </a:ext>
+          </a:extLst>
+        </p:spPr>
+      </p:pic>
     </p:spTree>
     <p:extLst>
       <p:ext uri="{BB962C8B-B14F-4D97-AF65-F5344CB8AC3E}">
-        <p14:creationId xmlns:p14="http://schemas.microsoft.com/office/powerpoint/2010/main" val="666178740"/>
+        <p14:creationId xmlns:p14="http://schemas.microsoft.com/office/powerpoint/2010/main" val="2553735830"/>
       </p:ext>
     </p:extLst>
   </p:cSld>
@@ -7286,7 +7859,15 @@
           <a:p>
             <a:r>
               <a:rPr lang="en-US" altLang="ko-KR" dirty="0"/>
-              <a:t>Lab6</a:t>
+              <a:t>Lab-life </a:t>
+            </a:r>
+            <a:r>
+              <a:rPr lang="en-US" altLang="ko-KR" dirty="0" err="1"/>
+              <a:t>expentancy</a:t>
+            </a:r>
+            <a:r>
+              <a:rPr lang="en-US" altLang="ko-KR" dirty="0"/>
+              <a:t> using LR</a:t>
             </a:r>
             <a:endParaRPr lang="ko-KR" altLang="en-US" dirty="0"/>
           </a:p>
@@ -7313,9 +7894,1548 @@
           <a:bodyPr/>
           <a:lstStyle/>
           <a:p>
+            <a:pPr marL="139700" indent="0"/>
             <a:r>
               <a:rPr lang="en-US" altLang="ko-KR" b="1" dirty="0"/>
-              <a:t>medical cost personal datasets-https://www.kaggle.com/datasets/mirichoi0218/insurance</a:t>
+              <a:t>3.print </a:t>
+            </a:r>
+            <a:r>
+              <a:rPr lang="en-US" altLang="ko-KR" b="1" dirty="0" err="1"/>
+              <a:t>corr</a:t>
+            </a:r>
+            <a:r>
+              <a:rPr lang="en-US" altLang="ko-KR" b="1" dirty="0"/>
+              <a:t> data in order of ascending. ( the form of </a:t>
+            </a:r>
+            <a:r>
+              <a:rPr lang="en-US" altLang="ko-KR" b="1" dirty="0" err="1"/>
+              <a:t>ouput</a:t>
+            </a:r>
+            <a:r>
+              <a:rPr lang="en-US" altLang="ko-KR" b="1" dirty="0"/>
+              <a:t> is: </a:t>
+            </a:r>
+            <a:r>
+              <a:rPr lang="en-US" altLang="ko-KR" b="1" dirty="0" err="1"/>
+              <a:t>feature_name</a:t>
+            </a:r>
+            <a:r>
+              <a:rPr lang="en-US" altLang="ko-KR" b="1" dirty="0"/>
+              <a:t> </a:t>
+            </a:r>
+            <a:r>
+              <a:rPr lang="en-US" altLang="ko-KR" b="1" dirty="0" err="1"/>
+              <a:t>corr</a:t>
+            </a:r>
+            <a:r>
+              <a:rPr lang="en-US" altLang="ko-KR" b="1" dirty="0"/>
+              <a:t> )</a:t>
+            </a:r>
+          </a:p>
+          <a:p>
+            <a:pPr marL="139700" indent="0"/>
+            <a:r>
+              <a:rPr lang="en-US" altLang="ko-KR" b="1" dirty="0"/>
+              <a:t>4.print 5 high-</a:t>
+            </a:r>
+            <a:r>
+              <a:rPr lang="en-US" altLang="ko-KR" b="1" dirty="0" err="1"/>
+              <a:t>corr</a:t>
+            </a:r>
+            <a:r>
+              <a:rPr lang="en-US" altLang="ko-KR" b="1" dirty="0"/>
+              <a:t> data ( the form of </a:t>
+            </a:r>
+            <a:r>
+              <a:rPr lang="en-US" altLang="ko-KR" b="1" dirty="0" err="1"/>
+              <a:t>ouput</a:t>
+            </a:r>
+            <a:r>
+              <a:rPr lang="en-US" altLang="ko-KR" b="1" dirty="0"/>
+              <a:t> is: </a:t>
+            </a:r>
+            <a:r>
+              <a:rPr lang="en-US" altLang="ko-KR" b="1" dirty="0" err="1"/>
+              <a:t>feature_name</a:t>
+            </a:r>
+            <a:r>
+              <a:rPr lang="en-US" altLang="ko-KR" b="1" dirty="0"/>
+              <a:t> </a:t>
+            </a:r>
+            <a:r>
+              <a:rPr lang="en-US" altLang="ko-KR" b="1" dirty="0" err="1"/>
+              <a:t>corr</a:t>
+            </a:r>
+            <a:r>
+              <a:rPr lang="en-US" altLang="ko-KR" b="1" dirty="0"/>
+              <a:t> )</a:t>
+            </a:r>
+          </a:p>
+          <a:p>
+            <a:pPr marL="139700" indent="0"/>
+            <a:r>
+              <a:rPr lang="en-US" altLang="ko-KR" b="1" dirty="0"/>
+              <a:t>5.Draw </a:t>
+            </a:r>
+            <a:r>
+              <a:rPr lang="en-US" altLang="ko-KR" b="1" dirty="0" err="1"/>
+              <a:t>pairplots</a:t>
+            </a:r>
+            <a:r>
+              <a:rPr lang="en-US" altLang="ko-KR" b="1" dirty="0"/>
+              <a:t> using seaborn of the 5 high-</a:t>
+            </a:r>
+            <a:r>
+              <a:rPr lang="en-US" altLang="ko-KR" b="1" dirty="0" err="1"/>
+              <a:t>corr</a:t>
+            </a:r>
+            <a:r>
+              <a:rPr lang="en-US" altLang="ko-KR" b="1" dirty="0"/>
+              <a:t> data like below.</a:t>
+            </a:r>
+          </a:p>
+          <a:p>
+            <a:pPr marL="139700" indent="0"/>
+            <a:endParaRPr lang="en-US" altLang="ko-KR" b="1" dirty="0"/>
+          </a:p>
+          <a:p>
+            <a:pPr marL="139700" indent="0"/>
+            <a:endParaRPr lang="en-US" altLang="ko-KR" b="1" dirty="0"/>
+          </a:p>
+          <a:p>
+            <a:pPr>
+              <a:buAutoNum type="arabicPeriod"/>
+            </a:pPr>
+            <a:endParaRPr lang="en-US" altLang="ko-KR" b="1" dirty="0"/>
+          </a:p>
+        </p:txBody>
+      </p:sp>
+      <p:pic>
+        <p:nvPicPr>
+          <p:cNvPr id="4" name="Picture 4">
+            <a:extLst>
+              <a:ext uri="{FF2B5EF4-FFF2-40B4-BE49-F238E27FC236}">
+                <a16:creationId xmlns:a16="http://schemas.microsoft.com/office/drawing/2014/main" id="{C7B5BB46-5757-3557-860E-995BEC4A65FF}"/>
+              </a:ext>
+            </a:extLst>
+          </p:cNvPr>
+          <p:cNvPicPr>
+            <a:picLocks noChangeAspect="1" noChangeArrowheads="1"/>
+          </p:cNvPicPr>
+          <p:nvPr/>
+        </p:nvPicPr>
+        <p:blipFill>
+          <a:blip r:embed="rId3">
+            <a:extLst>
+              <a:ext uri="{28A0092B-C50C-407E-A947-70E740481C1C}">
+                <a14:useLocalDpi xmlns:a14="http://schemas.microsoft.com/office/drawing/2010/main" val="0"/>
+              </a:ext>
+            </a:extLst>
+          </a:blip>
+          <a:srcRect/>
+          <a:stretch>
+            <a:fillRect/>
+          </a:stretch>
+        </p:blipFill>
+        <p:spPr bwMode="auto">
+          <a:xfrm>
+            <a:off x="2142979" y="1853039"/>
+            <a:ext cx="4281267" cy="2962215"/>
+          </a:xfrm>
+          <a:prstGeom prst="rect">
+            <a:avLst/>
+          </a:prstGeom>
+          <a:noFill/>
+          <a:extLst>
+            <a:ext uri="{909E8E84-426E-40DD-AFC4-6F175D3DCCD1}">
+              <a14:hiddenFill xmlns:a14="http://schemas.microsoft.com/office/drawing/2010/main">
+                <a:solidFill>
+                  <a:srgbClr val="FFFFFF"/>
+                </a:solidFill>
+              </a14:hiddenFill>
+            </a:ext>
+          </a:extLst>
+        </p:spPr>
+      </p:pic>
+    </p:spTree>
+    <p:extLst>
+      <p:ext uri="{BB962C8B-B14F-4D97-AF65-F5344CB8AC3E}">
+        <p14:creationId xmlns:p14="http://schemas.microsoft.com/office/powerpoint/2010/main" val="1436429112"/>
+      </p:ext>
+    </p:extLst>
+  </p:cSld>
+  <p:clrMapOvr>
+    <a:masterClrMapping/>
+  </p:clrMapOvr>
+</p:sld>
+</file>
+
+<file path=ppt/slides/slide19.xml><?xml version="1.0" encoding="utf-8"?>
+<p:sld xmlns:a="http://schemas.openxmlformats.org/drawingml/2006/main" xmlns:r="http://schemas.openxmlformats.org/officeDocument/2006/relationships" xmlns:p="http://schemas.openxmlformats.org/presentationml/2006/main">
+  <p:cSld>
+    <p:spTree>
+      <p:nvGrpSpPr>
+        <p:cNvPr id="1" name=""/>
+        <p:cNvGrpSpPr/>
+        <p:nvPr/>
+      </p:nvGrpSpPr>
+      <p:grpSpPr>
+        <a:xfrm>
+          <a:off x="0" y="0"/>
+          <a:ext cx="0" cy="0"/>
+          <a:chOff x="0" y="0"/>
+          <a:chExt cx="0" cy="0"/>
+        </a:xfrm>
+      </p:grpSpPr>
+      <p:sp>
+        <p:nvSpPr>
+          <p:cNvPr id="2" name="제목 1">
+            <a:extLst>
+              <a:ext uri="{FF2B5EF4-FFF2-40B4-BE49-F238E27FC236}">
+                <a16:creationId xmlns:a16="http://schemas.microsoft.com/office/drawing/2014/main" id="{1F3E2613-D4C9-6A01-497F-B61683DC2F2A}"/>
+              </a:ext>
+            </a:extLst>
+          </p:cNvPr>
+          <p:cNvSpPr>
+            <a:spLocks noGrp="1"/>
+          </p:cNvSpPr>
+          <p:nvPr>
+            <p:ph type="title"/>
+          </p:nvPr>
+        </p:nvSpPr>
+        <p:spPr/>
+        <p:txBody>
+          <a:bodyPr/>
+          <a:lstStyle/>
+          <a:p>
+            <a:r>
+              <a:rPr lang="en-US" altLang="ko-KR" dirty="0"/>
+              <a:t>Lab-life </a:t>
+            </a:r>
+            <a:r>
+              <a:rPr lang="en-US" altLang="ko-KR" dirty="0" err="1"/>
+              <a:t>expentancy</a:t>
+            </a:r>
+            <a:r>
+              <a:rPr lang="en-US" altLang="ko-KR" dirty="0"/>
+              <a:t> using LR</a:t>
+            </a:r>
+            <a:endParaRPr lang="ko-KR" altLang="en-US" dirty="0"/>
+          </a:p>
+        </p:txBody>
+      </p:sp>
+      <p:sp>
+        <p:nvSpPr>
+          <p:cNvPr id="3" name="부제목 2">
+            <a:extLst>
+              <a:ext uri="{FF2B5EF4-FFF2-40B4-BE49-F238E27FC236}">
+                <a16:creationId xmlns:a16="http://schemas.microsoft.com/office/drawing/2014/main" id="{0A5D5F8B-93FE-25D3-F380-5F5BA2141F30}"/>
+              </a:ext>
+            </a:extLst>
+          </p:cNvPr>
+          <p:cNvSpPr>
+            <a:spLocks noGrp="1"/>
+          </p:cNvSpPr>
+          <p:nvPr>
+            <p:ph type="subTitle" idx="1"/>
+          </p:nvPr>
+        </p:nvSpPr>
+        <p:spPr/>
+        <p:txBody>
+          <a:bodyPr/>
+          <a:lstStyle/>
+          <a:p>
+            <a:pPr marL="139700" indent="0"/>
+            <a:r>
+              <a:rPr lang="en-US" altLang="ko-KR" b="1" dirty="0"/>
+              <a:t>6.check sum of non data and drop them.</a:t>
+            </a:r>
+          </a:p>
+          <a:p>
+            <a:pPr marL="139700" indent="0"/>
+            <a:r>
+              <a:rPr lang="en-US" altLang="ko-KR" b="1" dirty="0"/>
+              <a:t>7.make a Linear Regression using the 5 high-</a:t>
+            </a:r>
+            <a:r>
+              <a:rPr lang="en-US" altLang="ko-KR" b="1" dirty="0" err="1"/>
+              <a:t>corr</a:t>
+            </a:r>
+            <a:r>
+              <a:rPr lang="en-US" altLang="ko-KR" b="1" dirty="0"/>
+              <a:t> data as inputs. And Print score about test data.</a:t>
+            </a:r>
+          </a:p>
+          <a:p>
+            <a:pPr>
+              <a:buAutoNum type="arabicPeriod"/>
+            </a:pPr>
+            <a:endParaRPr lang="en-US" altLang="ko-KR" b="1" dirty="0"/>
+          </a:p>
+        </p:txBody>
+      </p:sp>
+      <p:pic>
+        <p:nvPicPr>
+          <p:cNvPr id="5" name="그림 4">
+            <a:extLst>
+              <a:ext uri="{FF2B5EF4-FFF2-40B4-BE49-F238E27FC236}">
+                <a16:creationId xmlns:a16="http://schemas.microsoft.com/office/drawing/2014/main" id="{34883B9F-F488-FA94-BF05-DB61970E1596}"/>
+              </a:ext>
+            </a:extLst>
+          </p:cNvPr>
+          <p:cNvPicPr>
+            <a:picLocks noChangeAspect="1"/>
+          </p:cNvPicPr>
+          <p:nvPr/>
+        </p:nvPicPr>
+        <p:blipFill>
+          <a:blip r:embed="rId3"/>
+          <a:stretch>
+            <a:fillRect/>
+          </a:stretch>
+        </p:blipFill>
+        <p:spPr>
+          <a:xfrm>
+            <a:off x="3136826" y="1786296"/>
+            <a:ext cx="2870348" cy="304816"/>
+          </a:xfrm>
+          <a:prstGeom prst="rect">
+            <a:avLst/>
+          </a:prstGeom>
+        </p:spPr>
+      </p:pic>
+    </p:spTree>
+    <p:extLst>
+      <p:ext uri="{BB962C8B-B14F-4D97-AF65-F5344CB8AC3E}">
+        <p14:creationId xmlns:p14="http://schemas.microsoft.com/office/powerpoint/2010/main" val="1044391713"/>
+      </p:ext>
+    </p:extLst>
+  </p:cSld>
+  <p:clrMapOvr>
+    <a:masterClrMapping/>
+  </p:clrMapOvr>
+</p:sld>
+</file>
+
+<file path=ppt/slides/slide2.xml><?xml version="1.0" encoding="utf-8"?>
+<p:sld xmlns:a="http://schemas.openxmlformats.org/drawingml/2006/main" xmlns:r="http://schemas.openxmlformats.org/officeDocument/2006/relationships" xmlns:p="http://schemas.openxmlformats.org/presentationml/2006/main">
+  <p:cSld>
+    <p:spTree>
+      <p:nvGrpSpPr>
+        <p:cNvPr id="1" name="Shape 477"/>
+        <p:cNvGrpSpPr/>
+        <p:nvPr/>
+      </p:nvGrpSpPr>
+      <p:grpSpPr>
+        <a:xfrm>
+          <a:off x="0" y="0"/>
+          <a:ext cx="0" cy="0"/>
+          <a:chOff x="0" y="0"/>
+          <a:chExt cx="0" cy="0"/>
+        </a:xfrm>
+      </p:grpSpPr>
+      <p:sp>
+        <p:nvSpPr>
+          <p:cNvPr id="478" name="Google Shape;478;p58"/>
+          <p:cNvSpPr txBox="1">
+            <a:spLocks noGrp="1"/>
+          </p:cNvSpPr>
+          <p:nvPr>
+            <p:ph type="title"/>
+          </p:nvPr>
+        </p:nvSpPr>
+        <p:spPr>
+          <a:xfrm>
+            <a:off x="702925" y="420113"/>
+            <a:ext cx="7738200" cy="572700"/>
+          </a:xfrm>
+          <a:prstGeom prst="rect">
+            <a:avLst/>
+          </a:prstGeom>
+        </p:spPr>
+        <p:txBody>
+          <a:bodyPr spcFirstLastPara="1" wrap="square" lIns="91425" tIns="91425" rIns="91425" bIns="91425" anchor="t" anchorCtr="0">
+            <a:noAutofit/>
+          </a:bodyPr>
+          <a:lstStyle/>
+          <a:p>
+            <a:pPr marL="0" lvl="0" indent="0" algn="ctr" rtl="0">
+              <a:spcBef>
+                <a:spcPts val="0"/>
+              </a:spcBef>
+              <a:spcAft>
+                <a:spcPts val="0"/>
+              </a:spcAft>
+              <a:buNone/>
+            </a:pPr>
+            <a:r>
+              <a:rPr lang="en" dirty="0"/>
+              <a:t>CONTENTS</a:t>
+            </a:r>
+            <a:endParaRPr dirty="0"/>
+          </a:p>
+        </p:txBody>
+      </p:sp>
+      <p:graphicFrame>
+        <p:nvGraphicFramePr>
+          <p:cNvPr id="480" name="Google Shape;480;p58"/>
+          <p:cNvGraphicFramePr/>
+          <p:nvPr>
+            <p:extLst>
+              <p:ext uri="{D42A27DB-BD31-4B8C-83A1-F6EECF244321}">
+                <p14:modId xmlns:p14="http://schemas.microsoft.com/office/powerpoint/2010/main" val="3302900763"/>
+              </p:ext>
+            </p:extLst>
+          </p:nvPr>
+        </p:nvGraphicFramePr>
+        <p:xfrm>
+          <a:off x="702925" y="1691025"/>
+          <a:ext cx="7704000" cy="1051500"/>
+        </p:xfrm>
+        <a:graphic>
+          <a:graphicData uri="http://schemas.openxmlformats.org/drawingml/2006/table">
+            <a:tbl>
+              <a:tblPr>
+                <a:noFill/>
+                <a:tableStyleId>{0324179D-5A76-4B28-A430-DBD8E55DE50D}</a:tableStyleId>
+              </a:tblPr>
+              <a:tblGrid>
+                <a:gridCol w="2619875">
+                  <a:extLst>
+                    <a:ext uri="{9D8B030D-6E8A-4147-A177-3AD203B41FA5}">
+                      <a16:colId xmlns:a16="http://schemas.microsoft.com/office/drawing/2014/main" val="20000"/>
+                    </a:ext>
+                  </a:extLst>
+                </a:gridCol>
+                <a:gridCol w="5084125">
+                  <a:extLst>
+                    <a:ext uri="{9D8B030D-6E8A-4147-A177-3AD203B41FA5}">
+                      <a16:colId xmlns:a16="http://schemas.microsoft.com/office/drawing/2014/main" val="20001"/>
+                    </a:ext>
+                  </a:extLst>
+                </a:gridCol>
+              </a:tblGrid>
+              <a:tr h="350500">
+                <a:tc>
+                  <a:txBody>
+                    <a:bodyPr/>
+                    <a:lstStyle/>
+                    <a:p>
+                      <a:pPr marL="0" lvl="0" indent="0" algn="l" rtl="0">
+                        <a:spcBef>
+                          <a:spcPts val="0"/>
+                        </a:spcBef>
+                        <a:spcAft>
+                          <a:spcPts val="0"/>
+                        </a:spcAft>
+                        <a:buNone/>
+                      </a:pPr>
+                      <a:r>
+                        <a:rPr lang="en-US" sz="1000" b="1" dirty="0">
+                          <a:solidFill>
+                            <a:schemeClr val="lt1"/>
+                          </a:solidFill>
+                          <a:latin typeface="Montserrat"/>
+                          <a:ea typeface="Montserrat"/>
+                          <a:cs typeface="Montserrat"/>
+                          <a:sym typeface="Montserrat"/>
+                        </a:rPr>
+                        <a:t>Introduction to Linear Regression</a:t>
+                      </a:r>
+                      <a:endParaRPr sz="1000" b="1" dirty="0">
+                        <a:solidFill>
+                          <a:schemeClr val="lt1"/>
+                        </a:solidFill>
+                        <a:latin typeface="Montserrat"/>
+                        <a:ea typeface="Montserrat"/>
+                        <a:cs typeface="Montserrat"/>
+                        <a:sym typeface="Montserrat"/>
+                      </a:endParaRPr>
+                    </a:p>
+                  </a:txBody>
+                  <a:tcPr marL="91425" marR="91425" marT="91425" marB="91425" anchor="ctr">
+                    <a:lnL w="38100" cap="flat" cmpd="sng">
+                      <a:solidFill>
+                        <a:schemeClr val="lt1"/>
+                      </a:solidFill>
+                      <a:prstDash val="solid"/>
+                      <a:round/>
+                      <a:headEnd type="none" w="sm" len="sm"/>
+                      <a:tailEnd type="none" w="sm" len="sm"/>
+                    </a:lnL>
+                    <a:lnR w="38100" cap="flat" cmpd="sng">
+                      <a:solidFill>
+                        <a:schemeClr val="lt1"/>
+                      </a:solidFill>
+                      <a:prstDash val="solid"/>
+                      <a:round/>
+                      <a:headEnd type="none" w="sm" len="sm"/>
+                      <a:tailEnd type="none" w="sm" len="sm"/>
+                    </a:lnR>
+                    <a:lnT w="38100" cap="flat" cmpd="sng">
+                      <a:solidFill>
+                        <a:schemeClr val="lt1"/>
+                      </a:solidFill>
+                      <a:prstDash val="solid"/>
+                      <a:round/>
+                      <a:headEnd type="none" w="sm" len="sm"/>
+                      <a:tailEnd type="none" w="sm" len="sm"/>
+                    </a:lnT>
+                    <a:lnB w="38100" cap="flat" cmpd="sng">
+                      <a:solidFill>
+                        <a:schemeClr val="lt1"/>
+                      </a:solidFill>
+                      <a:prstDash val="solid"/>
+                      <a:round/>
+                      <a:headEnd type="none" w="sm" len="sm"/>
+                      <a:tailEnd type="none" w="sm" len="sm"/>
+                    </a:lnB>
+                    <a:solidFill>
+                      <a:schemeClr val="accent5"/>
+                    </a:solidFill>
+                  </a:tcPr>
+                </a:tc>
+                <a:tc>
+                  <a:txBody>
+                    <a:bodyPr/>
+                    <a:lstStyle/>
+                    <a:p>
+                      <a:pPr marL="0" lvl="0" indent="0" algn="l" rtl="0">
+                        <a:spcBef>
+                          <a:spcPts val="0"/>
+                        </a:spcBef>
+                        <a:spcAft>
+                          <a:spcPts val="1600"/>
+                        </a:spcAft>
+                        <a:buNone/>
+                      </a:pPr>
+                      <a:r>
+                        <a:rPr lang="en-US" sz="1000" dirty="0">
+                          <a:solidFill>
+                            <a:schemeClr val="accent1"/>
+                          </a:solidFill>
+                          <a:latin typeface="Montserrat"/>
+                          <a:ea typeface="Montserrat"/>
+                          <a:cs typeface="Montserrat"/>
+                          <a:sym typeface="Montserrat"/>
+                        </a:rPr>
+                        <a:t>What is Linear Regression, examples, kinds of LR</a:t>
+                      </a:r>
+                      <a:endParaRPr sz="1000" dirty="0">
+                        <a:solidFill>
+                          <a:schemeClr val="accent1"/>
+                        </a:solidFill>
+                        <a:latin typeface="Montserrat"/>
+                        <a:ea typeface="Montserrat"/>
+                        <a:cs typeface="Montserrat"/>
+                        <a:sym typeface="Montserrat"/>
+                      </a:endParaRPr>
+                    </a:p>
+                  </a:txBody>
+                  <a:tcPr marL="91425" marR="91425" marT="91425" marB="91425" anchor="ctr">
+                    <a:lnL w="38100" cap="flat" cmpd="sng">
+                      <a:solidFill>
+                        <a:schemeClr val="lt1"/>
+                      </a:solidFill>
+                      <a:prstDash val="solid"/>
+                      <a:round/>
+                      <a:headEnd type="none" w="sm" len="sm"/>
+                      <a:tailEnd type="none" w="sm" len="sm"/>
+                    </a:lnL>
+                  </a:tcPr>
+                </a:tc>
+                <a:extLst>
+                  <a:ext uri="{0D108BD9-81ED-4DB2-BD59-A6C34878D82A}">
+                    <a16:rowId xmlns:a16="http://schemas.microsoft.com/office/drawing/2014/main" val="10000"/>
+                  </a:ext>
+                </a:extLst>
+              </a:tr>
+              <a:tr h="350500">
+                <a:tc>
+                  <a:txBody>
+                    <a:bodyPr/>
+                    <a:lstStyle/>
+                    <a:p>
+                      <a:pPr marL="0" lvl="0" indent="0" algn="l" rtl="0">
+                        <a:spcBef>
+                          <a:spcPts val="0"/>
+                        </a:spcBef>
+                        <a:spcAft>
+                          <a:spcPts val="0"/>
+                        </a:spcAft>
+                        <a:buNone/>
+                      </a:pPr>
+                      <a:r>
+                        <a:rPr lang="en-US" altLang="ko-KR" sz="1000" b="1" dirty="0">
+                          <a:solidFill>
+                            <a:schemeClr val="lt1"/>
+                          </a:solidFill>
+                          <a:latin typeface="Montserrat"/>
+                          <a:ea typeface="Montserrat"/>
+                          <a:cs typeface="Montserrat"/>
+                          <a:sym typeface="Montserrat"/>
+                        </a:rPr>
+                        <a:t>Loss function</a:t>
+                      </a:r>
+                      <a:endParaRPr sz="1000" b="1" dirty="0">
+                        <a:solidFill>
+                          <a:schemeClr val="lt1"/>
+                        </a:solidFill>
+                        <a:latin typeface="Montserrat"/>
+                        <a:ea typeface="Montserrat"/>
+                        <a:cs typeface="Montserrat"/>
+                        <a:sym typeface="Montserrat"/>
+                      </a:endParaRPr>
+                    </a:p>
+                  </a:txBody>
+                  <a:tcPr marL="91425" marR="91425" marT="91425" marB="91425" anchor="ctr">
+                    <a:lnL w="38100" cap="flat" cmpd="sng">
+                      <a:solidFill>
+                        <a:schemeClr val="lt1"/>
+                      </a:solidFill>
+                      <a:prstDash val="solid"/>
+                      <a:round/>
+                      <a:headEnd type="none" w="sm" len="sm"/>
+                      <a:tailEnd type="none" w="sm" len="sm"/>
+                    </a:lnL>
+                    <a:lnR w="38100" cap="flat" cmpd="sng">
+                      <a:solidFill>
+                        <a:schemeClr val="lt1"/>
+                      </a:solidFill>
+                      <a:prstDash val="solid"/>
+                      <a:round/>
+                      <a:headEnd type="none" w="sm" len="sm"/>
+                      <a:tailEnd type="none" w="sm" len="sm"/>
+                    </a:lnR>
+                    <a:lnT w="38100" cap="flat" cmpd="sng">
+                      <a:solidFill>
+                        <a:schemeClr val="lt1"/>
+                      </a:solidFill>
+                      <a:prstDash val="solid"/>
+                      <a:round/>
+                      <a:headEnd type="none" w="sm" len="sm"/>
+                      <a:tailEnd type="none" w="sm" len="sm"/>
+                    </a:lnT>
+                    <a:lnB w="38100" cap="flat" cmpd="sng">
+                      <a:solidFill>
+                        <a:schemeClr val="lt1"/>
+                      </a:solidFill>
+                      <a:prstDash val="solid"/>
+                      <a:round/>
+                      <a:headEnd type="none" w="sm" len="sm"/>
+                      <a:tailEnd type="none" w="sm" len="sm"/>
+                    </a:lnB>
+                    <a:solidFill>
+                      <a:schemeClr val="accent5"/>
+                    </a:solidFill>
+                  </a:tcPr>
+                </a:tc>
+                <a:tc>
+                  <a:txBody>
+                    <a:bodyPr/>
+                    <a:lstStyle/>
+                    <a:p>
+                      <a:pPr marL="0" marR="0" lvl="0" indent="0" algn="l" rtl="0">
+                        <a:lnSpc>
+                          <a:spcPct val="100000"/>
+                        </a:lnSpc>
+                        <a:spcBef>
+                          <a:spcPts val="0"/>
+                        </a:spcBef>
+                        <a:spcAft>
+                          <a:spcPts val="1600"/>
+                        </a:spcAft>
+                        <a:buNone/>
+                      </a:pPr>
+                      <a:r>
+                        <a:rPr lang="en-US" altLang="ko-KR" sz="1000" dirty="0">
+                          <a:solidFill>
+                            <a:schemeClr val="accent1"/>
+                          </a:solidFill>
+                          <a:latin typeface="Montserrat"/>
+                          <a:ea typeface="Montserrat"/>
+                          <a:cs typeface="Montserrat"/>
+                          <a:sym typeface="Montserrat"/>
+                        </a:rPr>
+                        <a:t>basic mathematical background of LR</a:t>
+                      </a:r>
+                      <a:endParaRPr sz="1000" dirty="0">
+                        <a:solidFill>
+                          <a:schemeClr val="accent1"/>
+                        </a:solidFill>
+                        <a:latin typeface="Montserrat"/>
+                        <a:ea typeface="Montserrat"/>
+                        <a:cs typeface="Montserrat"/>
+                        <a:sym typeface="Montserrat"/>
+                      </a:endParaRPr>
+                    </a:p>
+                  </a:txBody>
+                  <a:tcPr marL="91425" marR="91425" marT="91425" marB="91425" anchor="ctr">
+                    <a:lnL w="38100" cap="flat" cmpd="sng">
+                      <a:solidFill>
+                        <a:schemeClr val="lt1"/>
+                      </a:solidFill>
+                      <a:prstDash val="solid"/>
+                      <a:round/>
+                      <a:headEnd type="none" w="sm" len="sm"/>
+                      <a:tailEnd type="none" w="sm" len="sm"/>
+                    </a:lnL>
+                  </a:tcPr>
+                </a:tc>
+                <a:extLst>
+                  <a:ext uri="{0D108BD9-81ED-4DB2-BD59-A6C34878D82A}">
+                    <a16:rowId xmlns:a16="http://schemas.microsoft.com/office/drawing/2014/main" val="10001"/>
+                  </a:ext>
+                </a:extLst>
+              </a:tr>
+              <a:tr h="350500">
+                <a:tc>
+                  <a:txBody>
+                    <a:bodyPr/>
+                    <a:lstStyle/>
+                    <a:p>
+                      <a:pPr marL="0" lvl="0" indent="0" algn="l" rtl="0">
+                        <a:spcBef>
+                          <a:spcPts val="0"/>
+                        </a:spcBef>
+                        <a:spcAft>
+                          <a:spcPts val="0"/>
+                        </a:spcAft>
+                        <a:buNone/>
+                      </a:pPr>
+                      <a:r>
+                        <a:rPr lang="en-US" sz="1000" b="1" dirty="0">
+                          <a:solidFill>
+                            <a:schemeClr val="lt1"/>
+                          </a:solidFill>
+                          <a:latin typeface="Montserrat"/>
+                          <a:ea typeface="Montserrat"/>
+                          <a:cs typeface="Montserrat"/>
+                          <a:sym typeface="Montserrat"/>
+                        </a:rPr>
+                        <a:t>Lab</a:t>
+                      </a:r>
+                      <a:endParaRPr sz="1000" b="1" dirty="0">
+                        <a:solidFill>
+                          <a:schemeClr val="lt1"/>
+                        </a:solidFill>
+                        <a:latin typeface="Montserrat"/>
+                        <a:ea typeface="Montserrat"/>
+                        <a:cs typeface="Montserrat"/>
+                        <a:sym typeface="Montserrat"/>
+                      </a:endParaRPr>
+                    </a:p>
+                  </a:txBody>
+                  <a:tcPr marL="91425" marR="91425" marT="91425" marB="91425" anchor="ctr">
+                    <a:lnL w="38100" cap="flat" cmpd="sng">
+                      <a:solidFill>
+                        <a:schemeClr val="lt1"/>
+                      </a:solidFill>
+                      <a:prstDash val="solid"/>
+                      <a:round/>
+                      <a:headEnd type="none" w="sm" len="sm"/>
+                      <a:tailEnd type="none" w="sm" len="sm"/>
+                    </a:lnL>
+                    <a:lnR w="38100" cap="flat" cmpd="sng" algn="ctr">
+                      <a:solidFill>
+                        <a:schemeClr val="lt1"/>
+                      </a:solidFill>
+                      <a:prstDash val="solid"/>
+                      <a:round/>
+                      <a:headEnd type="none" w="sm" len="sm"/>
+                      <a:tailEnd type="none" w="sm" len="sm"/>
+                    </a:lnR>
+                    <a:lnT w="38100" cap="flat" cmpd="sng" algn="ctr">
+                      <a:solidFill>
+                        <a:schemeClr val="lt1"/>
+                      </a:solidFill>
+                      <a:prstDash val="solid"/>
+                      <a:round/>
+                      <a:headEnd type="none" w="sm" len="sm"/>
+                      <a:tailEnd type="none" w="sm" len="sm"/>
+                    </a:lnT>
+                    <a:lnB w="38100" cap="flat" cmpd="sng">
+                      <a:solidFill>
+                        <a:schemeClr val="lt1"/>
+                      </a:solidFill>
+                      <a:prstDash val="solid"/>
+                      <a:round/>
+                      <a:headEnd type="none" w="sm" len="sm"/>
+                      <a:tailEnd type="none" w="sm" len="sm"/>
+                    </a:lnB>
+                    <a:solidFill>
+                      <a:schemeClr val="accent5"/>
+                    </a:solidFill>
+                  </a:tcPr>
+                </a:tc>
+                <a:tc>
+                  <a:txBody>
+                    <a:bodyPr/>
+                    <a:lstStyle/>
+                    <a:p>
+                      <a:pPr marL="0" lvl="0" indent="0" algn="l" rtl="0">
+                        <a:spcBef>
+                          <a:spcPts val="0"/>
+                        </a:spcBef>
+                        <a:spcAft>
+                          <a:spcPts val="1600"/>
+                        </a:spcAft>
+                        <a:buNone/>
+                      </a:pPr>
+                      <a:endParaRPr sz="1000" dirty="0">
+                        <a:solidFill>
+                          <a:schemeClr val="accent1"/>
+                        </a:solidFill>
+                        <a:latin typeface="Montserrat"/>
+                        <a:ea typeface="Montserrat"/>
+                        <a:cs typeface="Montserrat"/>
+                        <a:sym typeface="Montserrat"/>
+                      </a:endParaRPr>
+                    </a:p>
+                  </a:txBody>
+                  <a:tcPr marL="91425" marR="91425" marT="91425" marB="91425" anchor="ctr">
+                    <a:lnL w="38100" cap="flat" cmpd="sng" algn="ctr">
+                      <a:solidFill>
+                        <a:schemeClr val="lt1"/>
+                      </a:solidFill>
+                      <a:prstDash val="solid"/>
+                      <a:round/>
+                      <a:headEnd type="none" w="sm" len="sm"/>
+                      <a:tailEnd type="none" w="sm" len="sm"/>
+                    </a:lnL>
+                  </a:tcPr>
+                </a:tc>
+                <a:extLst>
+                  <a:ext uri="{0D108BD9-81ED-4DB2-BD59-A6C34878D82A}">
+                    <a16:rowId xmlns:a16="http://schemas.microsoft.com/office/drawing/2014/main" val="240350852"/>
+                  </a:ext>
+                </a:extLst>
+              </a:tr>
+            </a:tbl>
+          </a:graphicData>
+        </a:graphic>
+      </p:graphicFrame>
+      <p:sp>
+        <p:nvSpPr>
+          <p:cNvPr id="481" name="Google Shape;481;p58"/>
+          <p:cNvSpPr txBox="1"/>
+          <p:nvPr/>
+        </p:nvSpPr>
+        <p:spPr>
+          <a:xfrm>
+            <a:off x="1328413" y="4376400"/>
+            <a:ext cx="3000000" cy="461700"/>
+          </a:xfrm>
+          <a:prstGeom prst="rect">
+            <a:avLst/>
+          </a:prstGeom>
+          <a:noFill/>
+          <a:ln>
+            <a:noFill/>
+          </a:ln>
+        </p:spPr>
+        <p:txBody>
+          <a:bodyPr spcFirstLastPara="1" wrap="square" lIns="91425" tIns="91425" rIns="91425" bIns="91425" anchor="t" anchorCtr="0">
+            <a:noAutofit/>
+          </a:bodyPr>
+          <a:lstStyle/>
+          <a:p>
+            <a:pPr marL="0" lvl="0" indent="0" algn="ctr" rtl="0">
+              <a:spcBef>
+                <a:spcPts val="0"/>
+              </a:spcBef>
+              <a:spcAft>
+                <a:spcPts val="0"/>
+              </a:spcAft>
+              <a:buNone/>
+            </a:pPr>
+            <a:r>
+              <a:rPr lang="en" sz="800">
+                <a:solidFill>
+                  <a:schemeClr val="accent1"/>
+                </a:solidFill>
+                <a:latin typeface="Montserrat"/>
+                <a:ea typeface="Montserrat"/>
+                <a:cs typeface="Montserrat"/>
+                <a:sym typeface="Montserrat"/>
+              </a:rPr>
+              <a:t>For more info:</a:t>
+            </a:r>
+            <a:br>
+              <a:rPr lang="en" sz="800">
+                <a:solidFill>
+                  <a:schemeClr val="accent1"/>
+                </a:solidFill>
+                <a:latin typeface="Montserrat"/>
+                <a:ea typeface="Montserrat"/>
+                <a:cs typeface="Montserrat"/>
+                <a:sym typeface="Montserrat"/>
+              </a:rPr>
+            </a:br>
+            <a:r>
+              <a:rPr lang="en" sz="1000" b="1">
+                <a:solidFill>
+                  <a:schemeClr val="accent3"/>
+                </a:solidFill>
+                <a:uFill>
+                  <a:noFill/>
+                </a:uFill>
+                <a:latin typeface="Montserrat"/>
+                <a:ea typeface="Montserrat"/>
+                <a:cs typeface="Montserrat"/>
+                <a:sym typeface="Montserrat"/>
+                <a:hlinkClick r:id="rId3">
+                  <a:extLst>
+                    <a:ext uri="{A12FA001-AC4F-418D-AE19-62706E023703}">
+                      <ahyp:hlinkClr xmlns:ahyp="http://schemas.microsoft.com/office/drawing/2018/hyperlinkcolor" val="tx"/>
+                    </a:ext>
+                  </a:extLst>
+                </a:hlinkClick>
+              </a:rPr>
+              <a:t>SLIDESGO </a:t>
+            </a:r>
+            <a:r>
+              <a:rPr lang="en" sz="1000" b="1">
+                <a:solidFill>
+                  <a:schemeClr val="accent3"/>
+                </a:solidFill>
+                <a:latin typeface="Montserrat"/>
+                <a:ea typeface="Montserrat"/>
+                <a:cs typeface="Montserrat"/>
+                <a:sym typeface="Montserrat"/>
+              </a:rPr>
+              <a:t>| </a:t>
+            </a:r>
+            <a:r>
+              <a:rPr lang="en" sz="1000" b="1">
+                <a:solidFill>
+                  <a:schemeClr val="accent3"/>
+                </a:solidFill>
+                <a:uFill>
+                  <a:noFill/>
+                </a:uFill>
+                <a:latin typeface="Montserrat"/>
+                <a:ea typeface="Montserrat"/>
+                <a:cs typeface="Montserrat"/>
+                <a:sym typeface="Montserrat"/>
+                <a:hlinkClick r:id="rId4">
+                  <a:extLst>
+                    <a:ext uri="{A12FA001-AC4F-418D-AE19-62706E023703}">
+                      <ahyp:hlinkClr xmlns:ahyp="http://schemas.microsoft.com/office/drawing/2018/hyperlinkcolor" val="tx"/>
+                    </a:ext>
+                  </a:extLst>
+                </a:hlinkClick>
+              </a:rPr>
+              <a:t>SLIDESGO SCHOOL</a:t>
+            </a:r>
+            <a:r>
+              <a:rPr lang="en" sz="1000" b="1">
+                <a:solidFill>
+                  <a:schemeClr val="accent3"/>
+                </a:solidFill>
+                <a:latin typeface="Montserrat"/>
+                <a:ea typeface="Montserrat"/>
+                <a:cs typeface="Montserrat"/>
+                <a:sym typeface="Montserrat"/>
+              </a:rPr>
+              <a:t> | </a:t>
+            </a:r>
+            <a:r>
+              <a:rPr lang="en" sz="1000" b="1">
+                <a:solidFill>
+                  <a:schemeClr val="accent3"/>
+                </a:solidFill>
+                <a:uFill>
+                  <a:noFill/>
+                </a:uFill>
+                <a:latin typeface="Montserrat"/>
+                <a:ea typeface="Montserrat"/>
+                <a:cs typeface="Montserrat"/>
+                <a:sym typeface="Montserrat"/>
+                <a:hlinkClick r:id="rId5">
+                  <a:extLst>
+                    <a:ext uri="{A12FA001-AC4F-418D-AE19-62706E023703}">
+                      <ahyp:hlinkClr xmlns:ahyp="http://schemas.microsoft.com/office/drawing/2018/hyperlinkcolor" val="tx"/>
+                    </a:ext>
+                  </a:extLst>
+                </a:hlinkClick>
+              </a:rPr>
+              <a:t>FAQ</a:t>
+            </a:r>
+            <a:r>
+              <a:rPr lang="en" sz="1000" b="1">
+                <a:solidFill>
+                  <a:schemeClr val="accent3"/>
+                </a:solidFill>
+                <a:latin typeface="Montserrat"/>
+                <a:ea typeface="Montserrat"/>
+                <a:cs typeface="Montserrat"/>
+                <a:sym typeface="Montserrat"/>
+              </a:rPr>
+              <a:t>s</a:t>
+            </a:r>
+            <a:endParaRPr sz="1000" b="1">
+              <a:solidFill>
+                <a:schemeClr val="accent3"/>
+              </a:solidFill>
+              <a:latin typeface="Montserrat"/>
+              <a:ea typeface="Montserrat"/>
+              <a:cs typeface="Montserrat"/>
+              <a:sym typeface="Montserrat"/>
+            </a:endParaRPr>
+          </a:p>
+        </p:txBody>
+      </p:sp>
+      <p:sp>
+        <p:nvSpPr>
+          <p:cNvPr id="482" name="Google Shape;482;p58"/>
+          <p:cNvSpPr txBox="1"/>
+          <p:nvPr/>
+        </p:nvSpPr>
+        <p:spPr>
+          <a:xfrm>
+            <a:off x="4490525" y="4376400"/>
+            <a:ext cx="3676800" cy="461700"/>
+          </a:xfrm>
+          <a:prstGeom prst="rect">
+            <a:avLst/>
+          </a:prstGeom>
+          <a:noFill/>
+          <a:ln>
+            <a:noFill/>
+          </a:ln>
+        </p:spPr>
+        <p:txBody>
+          <a:bodyPr spcFirstLastPara="1" wrap="square" lIns="91425" tIns="91425" rIns="91425" bIns="91425" anchor="t" anchorCtr="0">
+            <a:noAutofit/>
+          </a:bodyPr>
+          <a:lstStyle/>
+          <a:p>
+            <a:pPr marL="0" lvl="0" indent="0" algn="ctr" rtl="0">
+              <a:spcBef>
+                <a:spcPts val="0"/>
+              </a:spcBef>
+              <a:spcAft>
+                <a:spcPts val="0"/>
+              </a:spcAft>
+              <a:buNone/>
+            </a:pPr>
+            <a:r>
+              <a:rPr lang="en" sz="800">
+                <a:solidFill>
+                  <a:schemeClr val="accent1"/>
+                </a:solidFill>
+                <a:latin typeface="Montserrat"/>
+                <a:ea typeface="Montserrat"/>
+                <a:cs typeface="Montserrat"/>
+                <a:sym typeface="Montserrat"/>
+              </a:rPr>
+              <a:t>You can visit our sister projects:</a:t>
+            </a:r>
+            <a:br>
+              <a:rPr lang="en" sz="800">
+                <a:solidFill>
+                  <a:schemeClr val="accent1"/>
+                </a:solidFill>
+                <a:latin typeface="Montserrat"/>
+                <a:ea typeface="Montserrat"/>
+                <a:cs typeface="Montserrat"/>
+                <a:sym typeface="Montserrat"/>
+              </a:rPr>
+            </a:br>
+            <a:r>
+              <a:rPr lang="en" sz="1000" b="1">
+                <a:solidFill>
+                  <a:schemeClr val="accent3"/>
+                </a:solidFill>
+                <a:uFill>
+                  <a:noFill/>
+                </a:uFill>
+                <a:latin typeface="Montserrat"/>
+                <a:ea typeface="Montserrat"/>
+                <a:cs typeface="Montserrat"/>
+                <a:sym typeface="Montserrat"/>
+                <a:hlinkClick r:id="rId6">
+                  <a:extLst>
+                    <a:ext uri="{A12FA001-AC4F-418D-AE19-62706E023703}">
+                      <ahyp:hlinkClr xmlns:ahyp="http://schemas.microsoft.com/office/drawing/2018/hyperlinkcolor" val="tx"/>
+                    </a:ext>
+                  </a:extLst>
+                </a:hlinkClick>
+              </a:rPr>
+              <a:t>FREEPIK</a:t>
+            </a:r>
+            <a:r>
+              <a:rPr lang="en" sz="1000" b="1">
+                <a:solidFill>
+                  <a:schemeClr val="accent3"/>
+                </a:solidFill>
+                <a:latin typeface="Montserrat"/>
+                <a:ea typeface="Montserrat"/>
+                <a:cs typeface="Montserrat"/>
+                <a:sym typeface="Montserrat"/>
+              </a:rPr>
+              <a:t> | </a:t>
+            </a:r>
+            <a:r>
+              <a:rPr lang="en" sz="1000" b="1">
+                <a:solidFill>
+                  <a:schemeClr val="accent3"/>
+                </a:solidFill>
+                <a:uFill>
+                  <a:noFill/>
+                </a:uFill>
+                <a:latin typeface="Montserrat"/>
+                <a:ea typeface="Montserrat"/>
+                <a:cs typeface="Montserrat"/>
+                <a:sym typeface="Montserrat"/>
+                <a:hlinkClick r:id="rId7">
+                  <a:extLst>
+                    <a:ext uri="{A12FA001-AC4F-418D-AE19-62706E023703}">
+                      <ahyp:hlinkClr xmlns:ahyp="http://schemas.microsoft.com/office/drawing/2018/hyperlinkcolor" val="tx"/>
+                    </a:ext>
+                  </a:extLst>
+                </a:hlinkClick>
+              </a:rPr>
+              <a:t>FLATICON</a:t>
+            </a:r>
+            <a:r>
+              <a:rPr lang="en" sz="1000" b="1">
+                <a:solidFill>
+                  <a:schemeClr val="accent3"/>
+                </a:solidFill>
+                <a:latin typeface="Montserrat"/>
+                <a:ea typeface="Montserrat"/>
+                <a:cs typeface="Montserrat"/>
+                <a:sym typeface="Montserrat"/>
+              </a:rPr>
+              <a:t> | </a:t>
+            </a:r>
+            <a:r>
+              <a:rPr lang="en" sz="1000" b="1">
+                <a:solidFill>
+                  <a:schemeClr val="accent3"/>
+                </a:solidFill>
+                <a:uFill>
+                  <a:noFill/>
+                </a:uFill>
+                <a:latin typeface="Montserrat"/>
+                <a:ea typeface="Montserrat"/>
+                <a:cs typeface="Montserrat"/>
+                <a:sym typeface="Montserrat"/>
+                <a:hlinkClick r:id="rId8">
+                  <a:extLst>
+                    <a:ext uri="{A12FA001-AC4F-418D-AE19-62706E023703}">
+                      <ahyp:hlinkClr xmlns:ahyp="http://schemas.microsoft.com/office/drawing/2018/hyperlinkcolor" val="tx"/>
+                    </a:ext>
+                  </a:extLst>
+                </a:hlinkClick>
+              </a:rPr>
+              <a:t>STORYSET</a:t>
+            </a:r>
+            <a:r>
+              <a:rPr lang="en" sz="1000" b="1">
+                <a:solidFill>
+                  <a:schemeClr val="accent3"/>
+                </a:solidFill>
+                <a:latin typeface="Montserrat"/>
+                <a:ea typeface="Montserrat"/>
+                <a:cs typeface="Montserrat"/>
+                <a:sym typeface="Montserrat"/>
+              </a:rPr>
+              <a:t> | </a:t>
+            </a:r>
+            <a:r>
+              <a:rPr lang="en" sz="1000" b="1">
+                <a:solidFill>
+                  <a:schemeClr val="accent3"/>
+                </a:solidFill>
+                <a:uFill>
+                  <a:noFill/>
+                </a:uFill>
+                <a:latin typeface="Montserrat"/>
+                <a:ea typeface="Montserrat"/>
+                <a:cs typeface="Montserrat"/>
+                <a:sym typeface="Montserrat"/>
+                <a:hlinkClick r:id="rId9">
+                  <a:extLst>
+                    <a:ext uri="{A12FA001-AC4F-418D-AE19-62706E023703}">
+                      <ahyp:hlinkClr xmlns:ahyp="http://schemas.microsoft.com/office/drawing/2018/hyperlinkcolor" val="tx"/>
+                    </a:ext>
+                  </a:extLst>
+                </a:hlinkClick>
+              </a:rPr>
+              <a:t>WEPIK </a:t>
+            </a:r>
+            <a:r>
+              <a:rPr lang="en" sz="1000" b="1">
+                <a:solidFill>
+                  <a:schemeClr val="accent3"/>
+                </a:solidFill>
+                <a:latin typeface="Montserrat"/>
+                <a:ea typeface="Montserrat"/>
+                <a:cs typeface="Montserrat"/>
+                <a:sym typeface="Montserrat"/>
+              </a:rPr>
+              <a:t>| </a:t>
+            </a:r>
+            <a:r>
+              <a:rPr lang="en" sz="1000" b="1">
+                <a:solidFill>
+                  <a:schemeClr val="accent3"/>
+                </a:solidFill>
+                <a:uFill>
+                  <a:noFill/>
+                </a:uFill>
+                <a:latin typeface="Montserrat"/>
+                <a:ea typeface="Montserrat"/>
+                <a:cs typeface="Montserrat"/>
+                <a:sym typeface="Montserrat"/>
+                <a:hlinkClick r:id="rId10">
+                  <a:extLst>
+                    <a:ext uri="{A12FA001-AC4F-418D-AE19-62706E023703}">
+                      <ahyp:hlinkClr xmlns:ahyp="http://schemas.microsoft.com/office/drawing/2018/hyperlinkcolor" val="tx"/>
+                    </a:ext>
+                  </a:extLst>
+                </a:hlinkClick>
+              </a:rPr>
+              <a:t>VIDEVO</a:t>
+            </a:r>
+            <a:endParaRPr sz="600" b="1">
+              <a:solidFill>
+                <a:schemeClr val="accent3"/>
+              </a:solidFill>
+              <a:latin typeface="Montserrat"/>
+              <a:ea typeface="Montserrat"/>
+              <a:cs typeface="Montserrat"/>
+              <a:sym typeface="Montserrat"/>
+            </a:endParaRPr>
+          </a:p>
+        </p:txBody>
+      </p:sp>
+    </p:spTree>
+  </p:cSld>
+  <p:clrMapOvr>
+    <a:masterClrMapping/>
+  </p:clrMapOvr>
+</p:sld>
+</file>
+
+<file path=ppt/slides/slide20.xml><?xml version="1.0" encoding="utf-8"?>
+<p:sld xmlns:a="http://schemas.openxmlformats.org/drawingml/2006/main" xmlns:r="http://schemas.openxmlformats.org/officeDocument/2006/relationships" xmlns:p="http://schemas.openxmlformats.org/presentationml/2006/main">
+  <p:cSld>
+    <p:spTree>
+      <p:nvGrpSpPr>
+        <p:cNvPr id="1" name=""/>
+        <p:cNvGrpSpPr/>
+        <p:nvPr/>
+      </p:nvGrpSpPr>
+      <p:grpSpPr>
+        <a:xfrm>
+          <a:off x="0" y="0"/>
+          <a:ext cx="0" cy="0"/>
+          <a:chOff x="0" y="0"/>
+          <a:chExt cx="0" cy="0"/>
+        </a:xfrm>
+      </p:grpSpPr>
+      <p:sp>
+        <p:nvSpPr>
+          <p:cNvPr id="2" name="제목 1">
+            <a:extLst>
+              <a:ext uri="{FF2B5EF4-FFF2-40B4-BE49-F238E27FC236}">
+                <a16:creationId xmlns:a16="http://schemas.microsoft.com/office/drawing/2014/main" id="{1F3E2613-D4C9-6A01-497F-B61683DC2F2A}"/>
+              </a:ext>
+            </a:extLst>
+          </p:cNvPr>
+          <p:cNvSpPr>
+            <a:spLocks noGrp="1"/>
+          </p:cNvSpPr>
+          <p:nvPr>
+            <p:ph type="title"/>
+          </p:nvPr>
+        </p:nvSpPr>
+        <p:spPr/>
+        <p:txBody>
+          <a:bodyPr/>
+          <a:lstStyle/>
+          <a:p>
+            <a:r>
+              <a:rPr lang="en-US" altLang="ko-KR" dirty="0"/>
+              <a:t>Lab-California Housing dataset</a:t>
+            </a:r>
+            <a:endParaRPr lang="ko-KR" altLang="en-US" dirty="0"/>
+          </a:p>
+        </p:txBody>
+      </p:sp>
+      <p:sp>
+        <p:nvSpPr>
+          <p:cNvPr id="3" name="부제목 2">
+            <a:extLst>
+              <a:ext uri="{FF2B5EF4-FFF2-40B4-BE49-F238E27FC236}">
+                <a16:creationId xmlns:a16="http://schemas.microsoft.com/office/drawing/2014/main" id="{0A5D5F8B-93FE-25D3-F380-5F5BA2141F30}"/>
+              </a:ext>
+            </a:extLst>
+          </p:cNvPr>
+          <p:cNvSpPr>
+            <a:spLocks noGrp="1"/>
+          </p:cNvSpPr>
+          <p:nvPr>
+            <p:ph type="subTitle" idx="1"/>
+          </p:nvPr>
+        </p:nvSpPr>
+        <p:spPr/>
+        <p:txBody>
+          <a:bodyPr/>
+          <a:lstStyle/>
+          <a:p>
+            <a:pPr marL="139700" indent="0" algn="l"/>
+            <a:r>
+              <a:rPr lang="en-US" altLang="ko-KR" b="1" i="0" dirty="0">
+                <a:effectLst/>
+                <a:latin typeface="montserrat" panose="00000500000000000000" pitchFamily="2" charset="0"/>
+              </a:rPr>
+              <a:t>Here are explanations about data:</a:t>
+            </a:r>
+          </a:p>
+          <a:p>
+            <a:pPr algn="l">
+              <a:buFont typeface="Arial" panose="020B0604020202020204" pitchFamily="34" charset="0"/>
+              <a:buChar char="•"/>
+            </a:pPr>
+            <a:r>
+              <a:rPr lang="en-US" altLang="ko-KR" b="1" i="0" dirty="0" err="1">
+                <a:effectLst/>
+                <a:latin typeface="montserrat" panose="00000500000000000000" pitchFamily="2" charset="0"/>
+              </a:rPr>
+              <a:t>MedInc</a:t>
+            </a:r>
+            <a:r>
+              <a:rPr lang="en-US" altLang="ko-KR" b="1" i="0" dirty="0">
+                <a:effectLst/>
+                <a:latin typeface="montserrat" panose="00000500000000000000" pitchFamily="2" charset="0"/>
+              </a:rPr>
+              <a:t> median income in block group</a:t>
+            </a:r>
+          </a:p>
+          <a:p>
+            <a:pPr algn="l">
+              <a:buFont typeface="Arial" panose="020B0604020202020204" pitchFamily="34" charset="0"/>
+              <a:buChar char="•"/>
+            </a:pPr>
+            <a:r>
+              <a:rPr lang="en-US" altLang="ko-KR" b="1" i="0" dirty="0" err="1">
+                <a:effectLst/>
+                <a:latin typeface="montserrat" panose="00000500000000000000" pitchFamily="2" charset="0"/>
+              </a:rPr>
+              <a:t>HouseAge</a:t>
+            </a:r>
+            <a:r>
+              <a:rPr lang="en-US" altLang="ko-KR" b="1" i="0" dirty="0">
+                <a:effectLst/>
+                <a:latin typeface="montserrat" panose="00000500000000000000" pitchFamily="2" charset="0"/>
+              </a:rPr>
+              <a:t> median house age in block group</a:t>
+            </a:r>
+          </a:p>
+          <a:p>
+            <a:pPr algn="l">
+              <a:buFont typeface="Arial" panose="020B0604020202020204" pitchFamily="34" charset="0"/>
+              <a:buChar char="•"/>
+            </a:pPr>
+            <a:r>
+              <a:rPr lang="en-US" altLang="ko-KR" b="1" i="0" dirty="0" err="1">
+                <a:effectLst/>
+                <a:latin typeface="montserrat" panose="00000500000000000000" pitchFamily="2" charset="0"/>
+              </a:rPr>
+              <a:t>AveRooms</a:t>
+            </a:r>
+            <a:r>
+              <a:rPr lang="en-US" altLang="ko-KR" b="1" i="0" dirty="0">
+                <a:effectLst/>
+                <a:latin typeface="montserrat" panose="00000500000000000000" pitchFamily="2" charset="0"/>
+              </a:rPr>
+              <a:t> average number of rooms per household</a:t>
+            </a:r>
+          </a:p>
+          <a:p>
+            <a:pPr algn="l">
+              <a:buFont typeface="Arial" panose="020B0604020202020204" pitchFamily="34" charset="0"/>
+              <a:buChar char="•"/>
+            </a:pPr>
+            <a:r>
+              <a:rPr lang="en-US" altLang="ko-KR" b="1" i="0" dirty="0" err="1">
+                <a:effectLst/>
+                <a:latin typeface="montserrat" panose="00000500000000000000" pitchFamily="2" charset="0"/>
+              </a:rPr>
+              <a:t>AveBedrms</a:t>
+            </a:r>
+            <a:r>
+              <a:rPr lang="en-US" altLang="ko-KR" b="1" i="0" dirty="0">
+                <a:effectLst/>
+                <a:latin typeface="montserrat" panose="00000500000000000000" pitchFamily="2" charset="0"/>
+              </a:rPr>
+              <a:t> average number of bedrooms per household</a:t>
+            </a:r>
+          </a:p>
+          <a:p>
+            <a:pPr algn="l">
+              <a:buFont typeface="Arial" panose="020B0604020202020204" pitchFamily="34" charset="0"/>
+              <a:buChar char="•"/>
+            </a:pPr>
+            <a:r>
+              <a:rPr lang="en-US" altLang="ko-KR" b="1" i="0" dirty="0">
+                <a:effectLst/>
+                <a:latin typeface="montserrat" panose="00000500000000000000" pitchFamily="2" charset="0"/>
+              </a:rPr>
+              <a:t>Population block group population</a:t>
+            </a:r>
+          </a:p>
+          <a:p>
+            <a:pPr algn="l">
+              <a:buFont typeface="Arial" panose="020B0604020202020204" pitchFamily="34" charset="0"/>
+              <a:buChar char="•"/>
+            </a:pPr>
+            <a:r>
+              <a:rPr lang="en-US" altLang="ko-KR" b="1" i="0" dirty="0" err="1">
+                <a:effectLst/>
+                <a:latin typeface="montserrat" panose="00000500000000000000" pitchFamily="2" charset="0"/>
+              </a:rPr>
+              <a:t>AveOccup</a:t>
+            </a:r>
+            <a:r>
+              <a:rPr lang="en-US" altLang="ko-KR" b="1" i="0" dirty="0">
+                <a:effectLst/>
+                <a:latin typeface="montserrat" panose="00000500000000000000" pitchFamily="2" charset="0"/>
+              </a:rPr>
+              <a:t> average number of household members</a:t>
+            </a:r>
+          </a:p>
+          <a:p>
+            <a:pPr algn="l">
+              <a:buFont typeface="Arial" panose="020B0604020202020204" pitchFamily="34" charset="0"/>
+              <a:buChar char="•"/>
+            </a:pPr>
+            <a:r>
+              <a:rPr lang="en-US" altLang="ko-KR" b="1" i="0" dirty="0">
+                <a:effectLst/>
+                <a:latin typeface="montserrat" panose="00000500000000000000" pitchFamily="2" charset="0"/>
+              </a:rPr>
+              <a:t>Latitude block group latitude</a:t>
+            </a:r>
+          </a:p>
+          <a:p>
+            <a:pPr algn="l">
+              <a:buFont typeface="Arial" panose="020B0604020202020204" pitchFamily="34" charset="0"/>
+              <a:buChar char="•"/>
+            </a:pPr>
+            <a:r>
+              <a:rPr lang="en-US" altLang="ko-KR" b="1" i="0" dirty="0">
+                <a:effectLst/>
+                <a:latin typeface="montserrat" panose="00000500000000000000" pitchFamily="2" charset="0"/>
+              </a:rPr>
+              <a:t>Longitude block group longitude</a:t>
+            </a:r>
+          </a:p>
+          <a:p>
+            <a:endParaRPr lang="en-US" altLang="ko-KR" b="1" dirty="0">
+              <a:latin typeface="montserrat" panose="00000500000000000000" pitchFamily="2" charset="0"/>
+            </a:endParaRPr>
+          </a:p>
+          <a:p>
+            <a:endParaRPr lang="en-US" altLang="ko-KR" b="1" dirty="0">
+              <a:latin typeface="montserrat" panose="00000500000000000000" pitchFamily="2" charset="0"/>
+            </a:endParaRPr>
+          </a:p>
+          <a:p>
+            <a:endParaRPr lang="en-US" altLang="ko-KR" b="1" dirty="0">
+              <a:latin typeface="montserrat" panose="00000500000000000000" pitchFamily="2" charset="0"/>
+            </a:endParaRPr>
+          </a:p>
+        </p:txBody>
+      </p:sp>
+    </p:spTree>
+    <p:extLst>
+      <p:ext uri="{BB962C8B-B14F-4D97-AF65-F5344CB8AC3E}">
+        <p14:creationId xmlns:p14="http://schemas.microsoft.com/office/powerpoint/2010/main" val="666178740"/>
+      </p:ext>
+    </p:extLst>
+  </p:cSld>
+  <p:clrMapOvr>
+    <a:masterClrMapping/>
+  </p:clrMapOvr>
+</p:sld>
+</file>
+
+<file path=ppt/slides/slide21.xml><?xml version="1.0" encoding="utf-8"?>
+<p:sld xmlns:a="http://schemas.openxmlformats.org/drawingml/2006/main" xmlns:r="http://schemas.openxmlformats.org/officeDocument/2006/relationships" xmlns:p="http://schemas.openxmlformats.org/presentationml/2006/main">
+  <p:cSld>
+    <p:spTree>
+      <p:nvGrpSpPr>
+        <p:cNvPr id="1" name=""/>
+        <p:cNvGrpSpPr/>
+        <p:nvPr/>
+      </p:nvGrpSpPr>
+      <p:grpSpPr>
+        <a:xfrm>
+          <a:off x="0" y="0"/>
+          <a:ext cx="0" cy="0"/>
+          <a:chOff x="0" y="0"/>
+          <a:chExt cx="0" cy="0"/>
+        </a:xfrm>
+      </p:grpSpPr>
+      <p:sp>
+        <p:nvSpPr>
+          <p:cNvPr id="2" name="제목 1">
+            <a:extLst>
+              <a:ext uri="{FF2B5EF4-FFF2-40B4-BE49-F238E27FC236}">
+                <a16:creationId xmlns:a16="http://schemas.microsoft.com/office/drawing/2014/main" id="{1F3E2613-D4C9-6A01-497F-B61683DC2F2A}"/>
+              </a:ext>
+            </a:extLst>
+          </p:cNvPr>
+          <p:cNvSpPr>
+            <a:spLocks noGrp="1"/>
+          </p:cNvSpPr>
+          <p:nvPr>
+            <p:ph type="title"/>
+          </p:nvPr>
+        </p:nvSpPr>
+        <p:spPr/>
+        <p:txBody>
+          <a:bodyPr/>
+          <a:lstStyle/>
+          <a:p>
+            <a:r>
+              <a:rPr lang="en-US" altLang="ko-KR" dirty="0"/>
+              <a:t>Lab-medical cost personal datasets</a:t>
+            </a:r>
+            <a:endParaRPr lang="ko-KR" altLang="en-US" dirty="0"/>
+          </a:p>
+        </p:txBody>
+      </p:sp>
+      <p:sp>
+        <p:nvSpPr>
+          <p:cNvPr id="3" name="부제목 2">
+            <a:extLst>
+              <a:ext uri="{FF2B5EF4-FFF2-40B4-BE49-F238E27FC236}">
+                <a16:creationId xmlns:a16="http://schemas.microsoft.com/office/drawing/2014/main" id="{0A5D5F8B-93FE-25D3-F380-5F5BA2141F30}"/>
+              </a:ext>
+            </a:extLst>
+          </p:cNvPr>
+          <p:cNvSpPr>
+            <a:spLocks noGrp="1"/>
+          </p:cNvSpPr>
+          <p:nvPr>
+            <p:ph type="subTitle" idx="1"/>
+          </p:nvPr>
+        </p:nvSpPr>
+        <p:spPr/>
+        <p:txBody>
+          <a:bodyPr/>
+          <a:lstStyle/>
+          <a:p>
+            <a:r>
+              <a:rPr lang="en-US" altLang="ko-KR" dirty="0"/>
+              <a:t>reference-https://www.kaggle.com/datasets/mirichoi0218/insurance</a:t>
             </a:r>
           </a:p>
           <a:p>
@@ -7339,7 +9459,7 @@
 </p:sld>
 </file>
 
-<file path=ppt/slides/slide19.xml><?xml version="1.0" encoding="utf-8"?>
+<file path=ppt/slides/slide22.xml><?xml version="1.0" encoding="utf-8"?>
 <p:sld xmlns:a="http://schemas.openxmlformats.org/drawingml/2006/main" xmlns:r="http://schemas.openxmlformats.org/officeDocument/2006/relationships" xmlns:p="http://schemas.openxmlformats.org/presentationml/2006/main">
   <p:cSld>
     <p:spTree>
@@ -8902,910 +11022,6 @@
 </p:sld>
 </file>
 
-<file path=ppt/slides/slide2.xml><?xml version="1.0" encoding="utf-8"?>
-<p:sld xmlns:a="http://schemas.openxmlformats.org/drawingml/2006/main" xmlns:r="http://schemas.openxmlformats.org/officeDocument/2006/relationships" xmlns:p="http://schemas.openxmlformats.org/presentationml/2006/main">
-  <p:cSld>
-    <p:spTree>
-      <p:nvGrpSpPr>
-        <p:cNvPr id="1" name="Shape 477"/>
-        <p:cNvGrpSpPr/>
-        <p:nvPr/>
-      </p:nvGrpSpPr>
-      <p:grpSpPr>
-        <a:xfrm>
-          <a:off x="0" y="0"/>
-          <a:ext cx="0" cy="0"/>
-          <a:chOff x="0" y="0"/>
-          <a:chExt cx="0" cy="0"/>
-        </a:xfrm>
-      </p:grpSpPr>
-      <p:sp>
-        <p:nvSpPr>
-          <p:cNvPr id="478" name="Google Shape;478;p58"/>
-          <p:cNvSpPr txBox="1">
-            <a:spLocks noGrp="1"/>
-          </p:cNvSpPr>
-          <p:nvPr>
-            <p:ph type="title"/>
-          </p:nvPr>
-        </p:nvSpPr>
-        <p:spPr>
-          <a:xfrm>
-            <a:off x="702925" y="420113"/>
-            <a:ext cx="7738200" cy="572700"/>
-          </a:xfrm>
-          <a:prstGeom prst="rect">
-            <a:avLst/>
-          </a:prstGeom>
-        </p:spPr>
-        <p:txBody>
-          <a:bodyPr spcFirstLastPara="1" wrap="square" lIns="91425" tIns="91425" rIns="91425" bIns="91425" anchor="t" anchorCtr="0">
-            <a:noAutofit/>
-          </a:bodyPr>
-          <a:lstStyle/>
-          <a:p>
-            <a:pPr marL="0" lvl="0" indent="0" algn="ctr" rtl="0">
-              <a:spcBef>
-                <a:spcPts val="0"/>
-              </a:spcBef>
-              <a:spcAft>
-                <a:spcPts val="0"/>
-              </a:spcAft>
-              <a:buNone/>
-            </a:pPr>
-            <a:r>
-              <a:rPr lang="en" dirty="0"/>
-              <a:t>CONTENTS</a:t>
-            </a:r>
-            <a:endParaRPr dirty="0"/>
-          </a:p>
-        </p:txBody>
-      </p:sp>
-      <p:graphicFrame>
-        <p:nvGraphicFramePr>
-          <p:cNvPr id="480" name="Google Shape;480;p58"/>
-          <p:cNvGraphicFramePr/>
-          <p:nvPr>
-            <p:extLst>
-              <p:ext uri="{D42A27DB-BD31-4B8C-83A1-F6EECF244321}">
-                <p14:modId xmlns:p14="http://schemas.microsoft.com/office/powerpoint/2010/main" val="458074180"/>
-              </p:ext>
-            </p:extLst>
-          </p:nvPr>
-        </p:nvGraphicFramePr>
-        <p:xfrm>
-          <a:off x="702925" y="1691025"/>
-          <a:ext cx="7704000" cy="1051500"/>
-        </p:xfrm>
-        <a:graphic>
-          <a:graphicData uri="http://schemas.openxmlformats.org/drawingml/2006/table">
-            <a:tbl>
-              <a:tblPr>
-                <a:noFill/>
-                <a:tableStyleId>{0324179D-5A76-4B28-A430-DBD8E55DE50D}</a:tableStyleId>
-              </a:tblPr>
-              <a:tblGrid>
-                <a:gridCol w="2619875">
-                  <a:extLst>
-                    <a:ext uri="{9D8B030D-6E8A-4147-A177-3AD203B41FA5}">
-                      <a16:colId xmlns:a16="http://schemas.microsoft.com/office/drawing/2014/main" val="20000"/>
-                    </a:ext>
-                  </a:extLst>
-                </a:gridCol>
-                <a:gridCol w="5084125">
-                  <a:extLst>
-                    <a:ext uri="{9D8B030D-6E8A-4147-A177-3AD203B41FA5}">
-                      <a16:colId xmlns:a16="http://schemas.microsoft.com/office/drawing/2014/main" val="20001"/>
-                    </a:ext>
-                  </a:extLst>
-                </a:gridCol>
-              </a:tblGrid>
-              <a:tr h="350500">
-                <a:tc>
-                  <a:txBody>
-                    <a:bodyPr/>
-                    <a:lstStyle/>
-                    <a:p>
-                      <a:pPr marL="0" lvl="0" indent="0" algn="l" rtl="0">
-                        <a:spcBef>
-                          <a:spcPts val="0"/>
-                        </a:spcBef>
-                        <a:spcAft>
-                          <a:spcPts val="0"/>
-                        </a:spcAft>
-                        <a:buNone/>
-                      </a:pPr>
-                      <a:r>
-                        <a:rPr lang="en-US" sz="1000" b="1" dirty="0">
-                          <a:solidFill>
-                            <a:schemeClr val="lt1"/>
-                          </a:solidFill>
-                          <a:latin typeface="Montserrat"/>
-                          <a:ea typeface="Montserrat"/>
-                          <a:cs typeface="Montserrat"/>
-                          <a:sym typeface="Montserrat"/>
-                        </a:rPr>
-                        <a:t>Introduction to Linear Regression</a:t>
-                      </a:r>
-                      <a:endParaRPr sz="1000" b="1" dirty="0">
-                        <a:solidFill>
-                          <a:schemeClr val="lt1"/>
-                        </a:solidFill>
-                        <a:latin typeface="Montserrat"/>
-                        <a:ea typeface="Montserrat"/>
-                        <a:cs typeface="Montserrat"/>
-                        <a:sym typeface="Montserrat"/>
-                      </a:endParaRPr>
-                    </a:p>
-                  </a:txBody>
-                  <a:tcPr marL="91425" marR="91425" marT="91425" marB="91425" anchor="ctr">
-                    <a:lnL w="38100" cap="flat" cmpd="sng">
-                      <a:solidFill>
-                        <a:schemeClr val="lt1"/>
-                      </a:solidFill>
-                      <a:prstDash val="solid"/>
-                      <a:round/>
-                      <a:headEnd type="none" w="sm" len="sm"/>
-                      <a:tailEnd type="none" w="sm" len="sm"/>
-                    </a:lnL>
-                    <a:lnR w="38100" cap="flat" cmpd="sng">
-                      <a:solidFill>
-                        <a:schemeClr val="lt1"/>
-                      </a:solidFill>
-                      <a:prstDash val="solid"/>
-                      <a:round/>
-                      <a:headEnd type="none" w="sm" len="sm"/>
-                      <a:tailEnd type="none" w="sm" len="sm"/>
-                    </a:lnR>
-                    <a:lnT w="38100" cap="flat" cmpd="sng">
-                      <a:solidFill>
-                        <a:schemeClr val="lt1"/>
-                      </a:solidFill>
-                      <a:prstDash val="solid"/>
-                      <a:round/>
-                      <a:headEnd type="none" w="sm" len="sm"/>
-                      <a:tailEnd type="none" w="sm" len="sm"/>
-                    </a:lnT>
-                    <a:lnB w="38100" cap="flat" cmpd="sng">
-                      <a:solidFill>
-                        <a:schemeClr val="lt1"/>
-                      </a:solidFill>
-                      <a:prstDash val="solid"/>
-                      <a:round/>
-                      <a:headEnd type="none" w="sm" len="sm"/>
-                      <a:tailEnd type="none" w="sm" len="sm"/>
-                    </a:lnB>
-                    <a:solidFill>
-                      <a:schemeClr val="accent5"/>
-                    </a:solidFill>
-                  </a:tcPr>
-                </a:tc>
-                <a:tc>
-                  <a:txBody>
-                    <a:bodyPr/>
-                    <a:lstStyle/>
-                    <a:p>
-                      <a:pPr marL="0" lvl="0" indent="0" algn="l" rtl="0">
-                        <a:spcBef>
-                          <a:spcPts val="0"/>
-                        </a:spcBef>
-                        <a:spcAft>
-                          <a:spcPts val="1600"/>
-                        </a:spcAft>
-                        <a:buNone/>
-                      </a:pPr>
-                      <a:r>
-                        <a:rPr lang="en-US" sz="1000" dirty="0">
-                          <a:solidFill>
-                            <a:schemeClr val="accent1"/>
-                          </a:solidFill>
-                          <a:latin typeface="Montserrat"/>
-                          <a:ea typeface="Montserrat"/>
-                          <a:cs typeface="Montserrat"/>
-                          <a:sym typeface="Montserrat"/>
-                        </a:rPr>
-                        <a:t>What is Linear Regression, examples, kinds of LR</a:t>
-                      </a:r>
-                      <a:endParaRPr sz="1000" dirty="0">
-                        <a:solidFill>
-                          <a:schemeClr val="accent1"/>
-                        </a:solidFill>
-                        <a:latin typeface="Montserrat"/>
-                        <a:ea typeface="Montserrat"/>
-                        <a:cs typeface="Montserrat"/>
-                        <a:sym typeface="Montserrat"/>
-                      </a:endParaRPr>
-                    </a:p>
-                  </a:txBody>
-                  <a:tcPr marL="91425" marR="91425" marT="91425" marB="91425" anchor="ctr">
-                    <a:lnL w="38100" cap="flat" cmpd="sng">
-                      <a:solidFill>
-                        <a:schemeClr val="lt1"/>
-                      </a:solidFill>
-                      <a:prstDash val="solid"/>
-                      <a:round/>
-                      <a:headEnd type="none" w="sm" len="sm"/>
-                      <a:tailEnd type="none" w="sm" len="sm"/>
-                    </a:lnL>
-                  </a:tcPr>
-                </a:tc>
-                <a:extLst>
-                  <a:ext uri="{0D108BD9-81ED-4DB2-BD59-A6C34878D82A}">
-                    <a16:rowId xmlns:a16="http://schemas.microsoft.com/office/drawing/2014/main" val="10000"/>
-                  </a:ext>
-                </a:extLst>
-              </a:tr>
-              <a:tr h="350500">
-                <a:tc>
-                  <a:txBody>
-                    <a:bodyPr/>
-                    <a:lstStyle/>
-                    <a:p>
-                      <a:pPr marL="0" lvl="0" indent="0" algn="l" rtl="0">
-                        <a:spcBef>
-                          <a:spcPts val="0"/>
-                        </a:spcBef>
-                        <a:spcAft>
-                          <a:spcPts val="0"/>
-                        </a:spcAft>
-                        <a:buNone/>
-                      </a:pPr>
-                      <a:r>
-                        <a:rPr lang="en-US" altLang="ko-KR" sz="1000" b="1" dirty="0">
-                          <a:solidFill>
-                            <a:schemeClr val="lt1"/>
-                          </a:solidFill>
-                          <a:latin typeface="Montserrat"/>
-                          <a:ea typeface="Montserrat"/>
-                          <a:cs typeface="Montserrat"/>
-                          <a:sym typeface="Montserrat"/>
-                        </a:rPr>
-                        <a:t>Loss function</a:t>
-                      </a:r>
-                      <a:endParaRPr sz="1000" b="1" dirty="0">
-                        <a:solidFill>
-                          <a:schemeClr val="lt1"/>
-                        </a:solidFill>
-                        <a:latin typeface="Montserrat"/>
-                        <a:ea typeface="Montserrat"/>
-                        <a:cs typeface="Montserrat"/>
-                        <a:sym typeface="Montserrat"/>
-                      </a:endParaRPr>
-                    </a:p>
-                  </a:txBody>
-                  <a:tcPr marL="91425" marR="91425" marT="91425" marB="91425" anchor="ctr">
-                    <a:lnL w="38100" cap="flat" cmpd="sng">
-                      <a:solidFill>
-                        <a:schemeClr val="lt1"/>
-                      </a:solidFill>
-                      <a:prstDash val="solid"/>
-                      <a:round/>
-                      <a:headEnd type="none" w="sm" len="sm"/>
-                      <a:tailEnd type="none" w="sm" len="sm"/>
-                    </a:lnL>
-                    <a:lnR w="38100" cap="flat" cmpd="sng">
-                      <a:solidFill>
-                        <a:schemeClr val="lt1"/>
-                      </a:solidFill>
-                      <a:prstDash val="solid"/>
-                      <a:round/>
-                      <a:headEnd type="none" w="sm" len="sm"/>
-                      <a:tailEnd type="none" w="sm" len="sm"/>
-                    </a:lnR>
-                    <a:lnT w="38100" cap="flat" cmpd="sng">
-                      <a:solidFill>
-                        <a:schemeClr val="lt1"/>
-                      </a:solidFill>
-                      <a:prstDash val="solid"/>
-                      <a:round/>
-                      <a:headEnd type="none" w="sm" len="sm"/>
-                      <a:tailEnd type="none" w="sm" len="sm"/>
-                    </a:lnT>
-                    <a:lnB w="38100" cap="flat" cmpd="sng">
-                      <a:solidFill>
-                        <a:schemeClr val="lt1"/>
-                      </a:solidFill>
-                      <a:prstDash val="solid"/>
-                      <a:round/>
-                      <a:headEnd type="none" w="sm" len="sm"/>
-                      <a:tailEnd type="none" w="sm" len="sm"/>
-                    </a:lnB>
-                    <a:solidFill>
-                      <a:schemeClr val="accent5"/>
-                    </a:solidFill>
-                  </a:tcPr>
-                </a:tc>
-                <a:tc>
-                  <a:txBody>
-                    <a:bodyPr/>
-                    <a:lstStyle/>
-                    <a:p>
-                      <a:pPr marL="0" marR="0" lvl="0" indent="0" algn="l" rtl="0">
-                        <a:lnSpc>
-                          <a:spcPct val="100000"/>
-                        </a:lnSpc>
-                        <a:spcBef>
-                          <a:spcPts val="0"/>
-                        </a:spcBef>
-                        <a:spcAft>
-                          <a:spcPts val="1600"/>
-                        </a:spcAft>
-                        <a:buNone/>
-                      </a:pPr>
-                      <a:r>
-                        <a:rPr lang="en-US" altLang="ko-KR" sz="1000" dirty="0">
-                          <a:solidFill>
-                            <a:schemeClr val="accent1"/>
-                          </a:solidFill>
-                          <a:latin typeface="Montserrat"/>
-                          <a:ea typeface="Montserrat"/>
-                          <a:cs typeface="Montserrat"/>
-                          <a:sym typeface="Montserrat"/>
-                        </a:rPr>
-                        <a:t>basic mathematical background of LR</a:t>
-                      </a:r>
-                      <a:endParaRPr sz="1000" dirty="0">
-                        <a:solidFill>
-                          <a:schemeClr val="accent1"/>
-                        </a:solidFill>
-                        <a:latin typeface="Montserrat"/>
-                        <a:ea typeface="Montserrat"/>
-                        <a:cs typeface="Montserrat"/>
-                        <a:sym typeface="Montserrat"/>
-                      </a:endParaRPr>
-                    </a:p>
-                  </a:txBody>
-                  <a:tcPr marL="91425" marR="91425" marT="91425" marB="91425" anchor="ctr">
-                    <a:lnL w="38100" cap="flat" cmpd="sng">
-                      <a:solidFill>
-                        <a:schemeClr val="lt1"/>
-                      </a:solidFill>
-                      <a:prstDash val="solid"/>
-                      <a:round/>
-                      <a:headEnd type="none" w="sm" len="sm"/>
-                      <a:tailEnd type="none" w="sm" len="sm"/>
-                    </a:lnL>
-                  </a:tcPr>
-                </a:tc>
-                <a:extLst>
-                  <a:ext uri="{0D108BD9-81ED-4DB2-BD59-A6C34878D82A}">
-                    <a16:rowId xmlns:a16="http://schemas.microsoft.com/office/drawing/2014/main" val="10001"/>
-                  </a:ext>
-                </a:extLst>
-              </a:tr>
-              <a:tr h="350500">
-                <a:tc>
-                  <a:txBody>
-                    <a:bodyPr/>
-                    <a:lstStyle/>
-                    <a:p>
-                      <a:pPr marL="0" lvl="0" indent="0" algn="l" rtl="0">
-                        <a:spcBef>
-                          <a:spcPts val="0"/>
-                        </a:spcBef>
-                        <a:spcAft>
-                          <a:spcPts val="0"/>
-                        </a:spcAft>
-                        <a:buNone/>
-                      </a:pPr>
-                      <a:r>
-                        <a:rPr lang="en-US" sz="1000" b="1" dirty="0">
-                          <a:solidFill>
-                            <a:schemeClr val="lt1"/>
-                          </a:solidFill>
-                          <a:latin typeface="Montserrat"/>
-                          <a:ea typeface="Montserrat"/>
-                          <a:cs typeface="Montserrat"/>
-                          <a:sym typeface="Montserrat"/>
-                        </a:rPr>
-                        <a:t>Lab</a:t>
-                      </a:r>
-                      <a:endParaRPr sz="1000" b="1" dirty="0">
-                        <a:solidFill>
-                          <a:schemeClr val="lt1"/>
-                        </a:solidFill>
-                        <a:latin typeface="Montserrat"/>
-                        <a:ea typeface="Montserrat"/>
-                        <a:cs typeface="Montserrat"/>
-                        <a:sym typeface="Montserrat"/>
-                      </a:endParaRPr>
-                    </a:p>
-                  </a:txBody>
-                  <a:tcPr marL="91425" marR="91425" marT="91425" marB="91425" anchor="ctr">
-                    <a:lnL w="38100" cap="flat" cmpd="sng">
-                      <a:solidFill>
-                        <a:schemeClr val="lt1"/>
-                      </a:solidFill>
-                      <a:prstDash val="solid"/>
-                      <a:round/>
-                      <a:headEnd type="none" w="sm" len="sm"/>
-                      <a:tailEnd type="none" w="sm" len="sm"/>
-                    </a:lnL>
-                    <a:lnR w="38100" cap="flat" cmpd="sng">
-                      <a:solidFill>
-                        <a:schemeClr val="lt1"/>
-                      </a:solidFill>
-                      <a:prstDash val="solid"/>
-                      <a:round/>
-                      <a:headEnd type="none" w="sm" len="sm"/>
-                      <a:tailEnd type="none" w="sm" len="sm"/>
-                    </a:lnR>
-                    <a:lnT w="38100" cap="flat" cmpd="sng">
-                      <a:solidFill>
-                        <a:schemeClr val="lt1"/>
-                      </a:solidFill>
-                      <a:prstDash val="solid"/>
-                      <a:round/>
-                      <a:headEnd type="none" w="sm" len="sm"/>
-                      <a:tailEnd type="none" w="sm" len="sm"/>
-                    </a:lnT>
-                    <a:lnB w="38100" cap="flat" cmpd="sng">
-                      <a:solidFill>
-                        <a:schemeClr val="lt1"/>
-                      </a:solidFill>
-                      <a:prstDash val="solid"/>
-                      <a:round/>
-                      <a:headEnd type="none" w="sm" len="sm"/>
-                      <a:tailEnd type="none" w="sm" len="sm"/>
-                    </a:lnB>
-                    <a:solidFill>
-                      <a:schemeClr val="accent5"/>
-                    </a:solidFill>
-                  </a:tcPr>
-                </a:tc>
-                <a:tc>
-                  <a:txBody>
-                    <a:bodyPr/>
-                    <a:lstStyle/>
-                    <a:p>
-                      <a:pPr marL="0" lvl="0" indent="0" algn="l" rtl="0">
-                        <a:spcBef>
-                          <a:spcPts val="0"/>
-                        </a:spcBef>
-                        <a:spcAft>
-                          <a:spcPts val="1600"/>
-                        </a:spcAft>
-                        <a:buNone/>
-                      </a:pPr>
-                      <a:endParaRPr sz="1000" dirty="0">
-                        <a:solidFill>
-                          <a:schemeClr val="accent1"/>
-                        </a:solidFill>
-                        <a:latin typeface="Montserrat"/>
-                        <a:ea typeface="Montserrat"/>
-                        <a:cs typeface="Montserrat"/>
-                        <a:sym typeface="Montserrat"/>
-                      </a:endParaRPr>
-                    </a:p>
-                  </a:txBody>
-                  <a:tcPr marL="91425" marR="91425" marT="91425" marB="91425" anchor="ctr">
-                    <a:lnL w="38100" cap="flat" cmpd="sng">
-                      <a:solidFill>
-                        <a:schemeClr val="lt1"/>
-                      </a:solidFill>
-                      <a:prstDash val="solid"/>
-                      <a:round/>
-                      <a:headEnd type="none" w="sm" len="sm"/>
-                      <a:tailEnd type="none" w="sm" len="sm"/>
-                    </a:lnL>
-                  </a:tcPr>
-                </a:tc>
-                <a:extLst>
-                  <a:ext uri="{0D108BD9-81ED-4DB2-BD59-A6C34878D82A}">
-                    <a16:rowId xmlns:a16="http://schemas.microsoft.com/office/drawing/2014/main" val="10002"/>
-                  </a:ext>
-                </a:extLst>
-              </a:tr>
-            </a:tbl>
-          </a:graphicData>
-        </a:graphic>
-      </p:graphicFrame>
-      <p:sp>
-        <p:nvSpPr>
-          <p:cNvPr id="481" name="Google Shape;481;p58"/>
-          <p:cNvSpPr txBox="1"/>
-          <p:nvPr/>
-        </p:nvSpPr>
-        <p:spPr>
-          <a:xfrm>
-            <a:off x="1328413" y="4376400"/>
-            <a:ext cx="3000000" cy="461700"/>
-          </a:xfrm>
-          <a:prstGeom prst="rect">
-            <a:avLst/>
-          </a:prstGeom>
-          <a:noFill/>
-          <a:ln>
-            <a:noFill/>
-          </a:ln>
-        </p:spPr>
-        <p:txBody>
-          <a:bodyPr spcFirstLastPara="1" wrap="square" lIns="91425" tIns="91425" rIns="91425" bIns="91425" anchor="t" anchorCtr="0">
-            <a:noAutofit/>
-          </a:bodyPr>
-          <a:lstStyle/>
-          <a:p>
-            <a:pPr marL="0" lvl="0" indent="0" algn="ctr" rtl="0">
-              <a:spcBef>
-                <a:spcPts val="0"/>
-              </a:spcBef>
-              <a:spcAft>
-                <a:spcPts val="0"/>
-              </a:spcAft>
-              <a:buNone/>
-            </a:pPr>
-            <a:r>
-              <a:rPr lang="en" sz="800">
-                <a:solidFill>
-                  <a:schemeClr val="accent1"/>
-                </a:solidFill>
-                <a:latin typeface="Montserrat"/>
-                <a:ea typeface="Montserrat"/>
-                <a:cs typeface="Montserrat"/>
-                <a:sym typeface="Montserrat"/>
-              </a:rPr>
-              <a:t>For more info:</a:t>
-            </a:r>
-            <a:br>
-              <a:rPr lang="en" sz="800">
-                <a:solidFill>
-                  <a:schemeClr val="accent1"/>
-                </a:solidFill>
-                <a:latin typeface="Montserrat"/>
-                <a:ea typeface="Montserrat"/>
-                <a:cs typeface="Montserrat"/>
-                <a:sym typeface="Montserrat"/>
-              </a:rPr>
-            </a:br>
-            <a:r>
-              <a:rPr lang="en" sz="1000" b="1">
-                <a:solidFill>
-                  <a:schemeClr val="accent3"/>
-                </a:solidFill>
-                <a:uFill>
-                  <a:noFill/>
-                </a:uFill>
-                <a:latin typeface="Montserrat"/>
-                <a:ea typeface="Montserrat"/>
-                <a:cs typeface="Montserrat"/>
-                <a:sym typeface="Montserrat"/>
-                <a:hlinkClick r:id="rId3">
-                  <a:extLst>
-                    <a:ext uri="{A12FA001-AC4F-418D-AE19-62706E023703}">
-                      <ahyp:hlinkClr xmlns:ahyp="http://schemas.microsoft.com/office/drawing/2018/hyperlinkcolor" val="tx"/>
-                    </a:ext>
-                  </a:extLst>
-                </a:hlinkClick>
-              </a:rPr>
-              <a:t>SLIDESGO </a:t>
-            </a:r>
-            <a:r>
-              <a:rPr lang="en" sz="1000" b="1">
-                <a:solidFill>
-                  <a:schemeClr val="accent3"/>
-                </a:solidFill>
-                <a:latin typeface="Montserrat"/>
-                <a:ea typeface="Montserrat"/>
-                <a:cs typeface="Montserrat"/>
-                <a:sym typeface="Montserrat"/>
-              </a:rPr>
-              <a:t>| </a:t>
-            </a:r>
-            <a:r>
-              <a:rPr lang="en" sz="1000" b="1">
-                <a:solidFill>
-                  <a:schemeClr val="accent3"/>
-                </a:solidFill>
-                <a:uFill>
-                  <a:noFill/>
-                </a:uFill>
-                <a:latin typeface="Montserrat"/>
-                <a:ea typeface="Montserrat"/>
-                <a:cs typeface="Montserrat"/>
-                <a:sym typeface="Montserrat"/>
-                <a:hlinkClick r:id="rId4">
-                  <a:extLst>
-                    <a:ext uri="{A12FA001-AC4F-418D-AE19-62706E023703}">
-                      <ahyp:hlinkClr xmlns:ahyp="http://schemas.microsoft.com/office/drawing/2018/hyperlinkcolor" val="tx"/>
-                    </a:ext>
-                  </a:extLst>
-                </a:hlinkClick>
-              </a:rPr>
-              <a:t>SLIDESGO SCHOOL</a:t>
-            </a:r>
-            <a:r>
-              <a:rPr lang="en" sz="1000" b="1">
-                <a:solidFill>
-                  <a:schemeClr val="accent3"/>
-                </a:solidFill>
-                <a:latin typeface="Montserrat"/>
-                <a:ea typeface="Montserrat"/>
-                <a:cs typeface="Montserrat"/>
-                <a:sym typeface="Montserrat"/>
-              </a:rPr>
-              <a:t> | </a:t>
-            </a:r>
-            <a:r>
-              <a:rPr lang="en" sz="1000" b="1">
-                <a:solidFill>
-                  <a:schemeClr val="accent3"/>
-                </a:solidFill>
-                <a:uFill>
-                  <a:noFill/>
-                </a:uFill>
-                <a:latin typeface="Montserrat"/>
-                <a:ea typeface="Montserrat"/>
-                <a:cs typeface="Montserrat"/>
-                <a:sym typeface="Montserrat"/>
-                <a:hlinkClick r:id="rId5">
-                  <a:extLst>
-                    <a:ext uri="{A12FA001-AC4F-418D-AE19-62706E023703}">
-                      <ahyp:hlinkClr xmlns:ahyp="http://schemas.microsoft.com/office/drawing/2018/hyperlinkcolor" val="tx"/>
-                    </a:ext>
-                  </a:extLst>
-                </a:hlinkClick>
-              </a:rPr>
-              <a:t>FAQ</a:t>
-            </a:r>
-            <a:r>
-              <a:rPr lang="en" sz="1000" b="1">
-                <a:solidFill>
-                  <a:schemeClr val="accent3"/>
-                </a:solidFill>
-                <a:latin typeface="Montserrat"/>
-                <a:ea typeface="Montserrat"/>
-                <a:cs typeface="Montserrat"/>
-                <a:sym typeface="Montserrat"/>
-              </a:rPr>
-              <a:t>s</a:t>
-            </a:r>
-            <a:endParaRPr sz="1000" b="1">
-              <a:solidFill>
-                <a:schemeClr val="accent3"/>
-              </a:solidFill>
-              <a:latin typeface="Montserrat"/>
-              <a:ea typeface="Montserrat"/>
-              <a:cs typeface="Montserrat"/>
-              <a:sym typeface="Montserrat"/>
-            </a:endParaRPr>
-          </a:p>
-        </p:txBody>
-      </p:sp>
-      <p:sp>
-        <p:nvSpPr>
-          <p:cNvPr id="482" name="Google Shape;482;p58"/>
-          <p:cNvSpPr txBox="1"/>
-          <p:nvPr/>
-        </p:nvSpPr>
-        <p:spPr>
-          <a:xfrm>
-            <a:off x="4490525" y="4376400"/>
-            <a:ext cx="3676800" cy="461700"/>
-          </a:xfrm>
-          <a:prstGeom prst="rect">
-            <a:avLst/>
-          </a:prstGeom>
-          <a:noFill/>
-          <a:ln>
-            <a:noFill/>
-          </a:ln>
-        </p:spPr>
-        <p:txBody>
-          <a:bodyPr spcFirstLastPara="1" wrap="square" lIns="91425" tIns="91425" rIns="91425" bIns="91425" anchor="t" anchorCtr="0">
-            <a:noAutofit/>
-          </a:bodyPr>
-          <a:lstStyle/>
-          <a:p>
-            <a:pPr marL="0" lvl="0" indent="0" algn="ctr" rtl="0">
-              <a:spcBef>
-                <a:spcPts val="0"/>
-              </a:spcBef>
-              <a:spcAft>
-                <a:spcPts val="0"/>
-              </a:spcAft>
-              <a:buNone/>
-            </a:pPr>
-            <a:r>
-              <a:rPr lang="en" sz="800">
-                <a:solidFill>
-                  <a:schemeClr val="accent1"/>
-                </a:solidFill>
-                <a:latin typeface="Montserrat"/>
-                <a:ea typeface="Montserrat"/>
-                <a:cs typeface="Montserrat"/>
-                <a:sym typeface="Montserrat"/>
-              </a:rPr>
-              <a:t>You can visit our sister projects:</a:t>
-            </a:r>
-            <a:br>
-              <a:rPr lang="en" sz="800">
-                <a:solidFill>
-                  <a:schemeClr val="accent1"/>
-                </a:solidFill>
-                <a:latin typeface="Montserrat"/>
-                <a:ea typeface="Montserrat"/>
-                <a:cs typeface="Montserrat"/>
-                <a:sym typeface="Montserrat"/>
-              </a:rPr>
-            </a:br>
-            <a:r>
-              <a:rPr lang="en" sz="1000" b="1">
-                <a:solidFill>
-                  <a:schemeClr val="accent3"/>
-                </a:solidFill>
-                <a:uFill>
-                  <a:noFill/>
-                </a:uFill>
-                <a:latin typeface="Montserrat"/>
-                <a:ea typeface="Montserrat"/>
-                <a:cs typeface="Montserrat"/>
-                <a:sym typeface="Montserrat"/>
-                <a:hlinkClick r:id="rId6">
-                  <a:extLst>
-                    <a:ext uri="{A12FA001-AC4F-418D-AE19-62706E023703}">
-                      <ahyp:hlinkClr xmlns:ahyp="http://schemas.microsoft.com/office/drawing/2018/hyperlinkcolor" val="tx"/>
-                    </a:ext>
-                  </a:extLst>
-                </a:hlinkClick>
-              </a:rPr>
-              <a:t>FREEPIK</a:t>
-            </a:r>
-            <a:r>
-              <a:rPr lang="en" sz="1000" b="1">
-                <a:solidFill>
-                  <a:schemeClr val="accent3"/>
-                </a:solidFill>
-                <a:latin typeface="Montserrat"/>
-                <a:ea typeface="Montserrat"/>
-                <a:cs typeface="Montserrat"/>
-                <a:sym typeface="Montserrat"/>
-              </a:rPr>
-              <a:t> | </a:t>
-            </a:r>
-            <a:r>
-              <a:rPr lang="en" sz="1000" b="1">
-                <a:solidFill>
-                  <a:schemeClr val="accent3"/>
-                </a:solidFill>
-                <a:uFill>
-                  <a:noFill/>
-                </a:uFill>
-                <a:latin typeface="Montserrat"/>
-                <a:ea typeface="Montserrat"/>
-                <a:cs typeface="Montserrat"/>
-                <a:sym typeface="Montserrat"/>
-                <a:hlinkClick r:id="rId7">
-                  <a:extLst>
-                    <a:ext uri="{A12FA001-AC4F-418D-AE19-62706E023703}">
-                      <ahyp:hlinkClr xmlns:ahyp="http://schemas.microsoft.com/office/drawing/2018/hyperlinkcolor" val="tx"/>
-                    </a:ext>
-                  </a:extLst>
-                </a:hlinkClick>
-              </a:rPr>
-              <a:t>FLATICON</a:t>
-            </a:r>
-            <a:r>
-              <a:rPr lang="en" sz="1000" b="1">
-                <a:solidFill>
-                  <a:schemeClr val="accent3"/>
-                </a:solidFill>
-                <a:latin typeface="Montserrat"/>
-                <a:ea typeface="Montserrat"/>
-                <a:cs typeface="Montserrat"/>
-                <a:sym typeface="Montserrat"/>
-              </a:rPr>
-              <a:t> | </a:t>
-            </a:r>
-            <a:r>
-              <a:rPr lang="en" sz="1000" b="1">
-                <a:solidFill>
-                  <a:schemeClr val="accent3"/>
-                </a:solidFill>
-                <a:uFill>
-                  <a:noFill/>
-                </a:uFill>
-                <a:latin typeface="Montserrat"/>
-                <a:ea typeface="Montserrat"/>
-                <a:cs typeface="Montserrat"/>
-                <a:sym typeface="Montserrat"/>
-                <a:hlinkClick r:id="rId8">
-                  <a:extLst>
-                    <a:ext uri="{A12FA001-AC4F-418D-AE19-62706E023703}">
-                      <ahyp:hlinkClr xmlns:ahyp="http://schemas.microsoft.com/office/drawing/2018/hyperlinkcolor" val="tx"/>
-                    </a:ext>
-                  </a:extLst>
-                </a:hlinkClick>
-              </a:rPr>
-              <a:t>STORYSET</a:t>
-            </a:r>
-            <a:r>
-              <a:rPr lang="en" sz="1000" b="1">
-                <a:solidFill>
-                  <a:schemeClr val="accent3"/>
-                </a:solidFill>
-                <a:latin typeface="Montserrat"/>
-                <a:ea typeface="Montserrat"/>
-                <a:cs typeface="Montserrat"/>
-                <a:sym typeface="Montserrat"/>
-              </a:rPr>
-              <a:t> | </a:t>
-            </a:r>
-            <a:r>
-              <a:rPr lang="en" sz="1000" b="1">
-                <a:solidFill>
-                  <a:schemeClr val="accent3"/>
-                </a:solidFill>
-                <a:uFill>
-                  <a:noFill/>
-                </a:uFill>
-                <a:latin typeface="Montserrat"/>
-                <a:ea typeface="Montserrat"/>
-                <a:cs typeface="Montserrat"/>
-                <a:sym typeface="Montserrat"/>
-                <a:hlinkClick r:id="rId9">
-                  <a:extLst>
-                    <a:ext uri="{A12FA001-AC4F-418D-AE19-62706E023703}">
-                      <ahyp:hlinkClr xmlns:ahyp="http://schemas.microsoft.com/office/drawing/2018/hyperlinkcolor" val="tx"/>
-                    </a:ext>
-                  </a:extLst>
-                </a:hlinkClick>
-              </a:rPr>
-              <a:t>WEPIK </a:t>
-            </a:r>
-            <a:r>
-              <a:rPr lang="en" sz="1000" b="1">
-                <a:solidFill>
-                  <a:schemeClr val="accent3"/>
-                </a:solidFill>
-                <a:latin typeface="Montserrat"/>
-                <a:ea typeface="Montserrat"/>
-                <a:cs typeface="Montserrat"/>
-                <a:sym typeface="Montserrat"/>
-              </a:rPr>
-              <a:t>| </a:t>
-            </a:r>
-            <a:r>
-              <a:rPr lang="en" sz="1000" b="1">
-                <a:solidFill>
-                  <a:schemeClr val="accent3"/>
-                </a:solidFill>
-                <a:uFill>
-                  <a:noFill/>
-                </a:uFill>
-                <a:latin typeface="Montserrat"/>
-                <a:ea typeface="Montserrat"/>
-                <a:cs typeface="Montserrat"/>
-                <a:sym typeface="Montserrat"/>
-                <a:hlinkClick r:id="rId10">
-                  <a:extLst>
-                    <a:ext uri="{A12FA001-AC4F-418D-AE19-62706E023703}">
-                      <ahyp:hlinkClr xmlns:ahyp="http://schemas.microsoft.com/office/drawing/2018/hyperlinkcolor" val="tx"/>
-                    </a:ext>
-                  </a:extLst>
-                </a:hlinkClick>
-              </a:rPr>
-              <a:t>VIDEVO</a:t>
-            </a:r>
-            <a:endParaRPr sz="600" b="1">
-              <a:solidFill>
-                <a:schemeClr val="accent3"/>
-              </a:solidFill>
-              <a:latin typeface="Montserrat"/>
-              <a:ea typeface="Montserrat"/>
-              <a:cs typeface="Montserrat"/>
-              <a:sym typeface="Montserrat"/>
-            </a:endParaRPr>
-          </a:p>
-        </p:txBody>
-      </p:sp>
-    </p:spTree>
-  </p:cSld>
-  <p:clrMapOvr>
-    <a:masterClrMapping/>
-  </p:clrMapOvr>
-</p:sld>
-</file>
-
 <file path=ppt/slides/slide3.xml><?xml version="1.0" encoding="utf-8"?>
 <p:sld xmlns:a="http://schemas.openxmlformats.org/drawingml/2006/main" xmlns:r="http://schemas.openxmlformats.org/officeDocument/2006/relationships" xmlns:p="http://schemas.openxmlformats.org/presentationml/2006/main">
   <p:cSld>
@@ -10734,7 +11950,7 @@
           <a:p>
             <a:r>
               <a:rPr lang="en-US" altLang="ko-KR" dirty="0"/>
-              <a:t>We can calculate the gaps like this:                   But, It can be negative….</a:t>
+              <a:t>We can calculate the gaps like this:                   But they can be negative….</a:t>
             </a:r>
           </a:p>
           <a:p>
@@ -12106,7 +13322,7 @@
           <a:p>
             <a:r>
               <a:rPr lang="en-US" altLang="ko-KR" dirty="0"/>
-              <a:t>Together1</a:t>
+              <a:t>Lab</a:t>
             </a:r>
             <a:endParaRPr lang="ko-KR" altLang="en-US" dirty="0"/>
           </a:p>
